--- a/FileDownloader.pptx
+++ b/FileDownloader.pptx
@@ -620,7 +620,7 @@
             <a:fld id="{B61BEF0D-F0BB-DE4B-95CE-6DB70DBA9567}" type="datetimeFigureOut">
               <a:rPr lang="en-US" smtClean="0"/>
               <a:pPr/>
-              <a:t>12/18/17</a:t>
+              <a:t>12/19/17</a:t>
             </a:fld>
             <a:endParaRPr lang="en-US" dirty="0"/>
           </a:p>
@@ -805,7 +805,7 @@
           <a:p>
             <a:fld id="{55C6B4A9-1611-4792-9094-5F34BCA07E0B}" type="datetimeFigureOut">
               <a:rPr lang="en-US" smtClean="0"/>
-              <a:t>12/18/17</a:t>
+              <a:t>12/19/17</a:t>
             </a:fld>
             <a:endParaRPr lang="en-US" dirty="0"/>
           </a:p>
@@ -986,7 +986,7 @@
             <a:fld id="{B61BEF0D-F0BB-DE4B-95CE-6DB70DBA9567}" type="datetimeFigureOut">
               <a:rPr lang="en-US" smtClean="0"/>
               <a:pPr/>
-              <a:t>12/18/17</a:t>
+              <a:t>12/19/17</a:t>
             </a:fld>
             <a:endParaRPr lang="en-US" dirty="0"/>
           </a:p>
@@ -1163,7 +1163,7 @@
             <a:fld id="{B61BEF0D-F0BB-DE4B-95CE-6DB70DBA9567}" type="datetimeFigureOut">
               <a:rPr lang="en-US" smtClean="0"/>
               <a:pPr/>
-              <a:t>12/18/17</a:t>
+              <a:t>12/19/17</a:t>
             </a:fld>
             <a:endParaRPr lang="en-US" dirty="0"/>
           </a:p>
@@ -1486,7 +1486,7 @@
             <a:fld id="{B61BEF0D-F0BB-DE4B-95CE-6DB70DBA9567}" type="datetimeFigureOut">
               <a:rPr lang="en-US" smtClean="0"/>
               <a:pPr/>
-              <a:t>12/18/17</a:t>
+              <a:t>12/19/17</a:t>
             </a:fld>
             <a:endParaRPr lang="en-US" dirty="0"/>
           </a:p>
@@ -1952,7 +1952,7 @@
           <a:p>
             <a:fld id="{EB712588-04B1-427B-82EE-E8DB90309F08}" type="datetimeFigureOut">
               <a:rPr lang="en-US" smtClean="0"/>
-              <a:t>12/18/17</a:t>
+              <a:t>12/19/17</a:t>
             </a:fld>
             <a:endParaRPr lang="en-US" dirty="0"/>
           </a:p>
@@ -2369,7 +2369,7 @@
             <a:fld id="{B61BEF0D-F0BB-DE4B-95CE-6DB70DBA9567}" type="datetimeFigureOut">
               <a:rPr lang="en-US" smtClean="0"/>
               <a:pPr/>
-              <a:t>12/18/17</a:t>
+              <a:t>12/19/17</a:t>
             </a:fld>
             <a:endParaRPr lang="en-US" dirty="0"/>
           </a:p>
@@ -2494,7 +2494,7 @@
             <a:fld id="{B61BEF0D-F0BB-DE4B-95CE-6DB70DBA9567}" type="datetimeFigureOut">
               <a:rPr lang="en-US" smtClean="0"/>
               <a:pPr/>
-              <a:t>12/18/17</a:t>
+              <a:t>12/19/17</a:t>
             </a:fld>
             <a:endParaRPr lang="en-US" dirty="0"/>
           </a:p>
@@ -2614,7 +2614,7 @@
             <a:fld id="{B61BEF0D-F0BB-DE4B-95CE-6DB70DBA9567}" type="datetimeFigureOut">
               <a:rPr lang="en-US" smtClean="0"/>
               <a:pPr/>
-              <a:t>12/18/17</a:t>
+              <a:t>12/19/17</a:t>
             </a:fld>
             <a:endParaRPr lang="en-US" dirty="0"/>
           </a:p>
@@ -2978,7 +2978,7 @@
           <a:p>
             <a:fld id="{42A54C80-263E-416B-A8E0-580EDEADCBDC}" type="datetimeFigureOut">
               <a:rPr lang="en-US" smtClean="0"/>
-              <a:t>12/18/17</a:t>
+              <a:t>12/19/17</a:t>
             </a:fld>
             <a:endParaRPr lang="en-US" dirty="0"/>
           </a:p>
@@ -3491,7 +3491,7 @@
             <a:fld id="{B61BEF0D-F0BB-DE4B-95CE-6DB70DBA9567}" type="datetimeFigureOut">
               <a:rPr lang="en-US" smtClean="0"/>
               <a:pPr/>
-              <a:t>12/18/17</a:t>
+              <a:t>12/19/17</a:t>
             </a:fld>
             <a:endParaRPr lang="en-US" dirty="0"/>
           </a:p>
@@ -3848,7 +3848,7 @@
             <a:fld id="{B61BEF0D-F0BB-DE4B-95CE-6DB70DBA9567}" type="datetimeFigureOut">
               <a:rPr lang="en-US" smtClean="0"/>
               <a:pPr/>
-              <a:t>12/18/17</a:t>
+              <a:t>12/19/17</a:t>
             </a:fld>
             <a:endParaRPr lang="en-US" dirty="0"/>
           </a:p>
@@ -4855,15 +4855,7 @@
             </a:r>
             <a:r>
               <a:rPr kumimoji="1" lang="zh-CN" altLang="en-US" dirty="0" smtClean="0"/>
-              <a:t>（</a:t>
-            </a:r>
-            <a:r>
-              <a:rPr kumimoji="1" lang="zh-CN" altLang="en-US" dirty="0" smtClean="0"/>
-              <a:t>建造者模式</a:t>
-            </a:r>
-            <a:r>
-              <a:rPr kumimoji="1" lang="zh-CN" altLang="en-US" dirty="0" smtClean="0"/>
-              <a:t>）</a:t>
+              <a:t>（建造者模式）</a:t>
             </a:r>
             <a:endParaRPr kumimoji="1" lang="en-US" altLang="zh-CN" dirty="0" smtClean="0"/>
           </a:p>
@@ -4967,7 +4959,26 @@
           <a:p>
             <a:r>
               <a:rPr kumimoji="1" lang="zh-CN" altLang="en-US" dirty="0" smtClean="0"/>
-              <a:t>将结构细化，单个类的逻辑清晰</a:t>
+              <a:t>有个门面</a:t>
+            </a:r>
+            <a:r>
+              <a:rPr kumimoji="1" lang="en-US" altLang="zh-CN" dirty="0" err="1" smtClean="0"/>
+              <a:t>FileDownloader</a:t>
+            </a:r>
+            <a:r>
+              <a:rPr kumimoji="1" lang="zh-CN" altLang="en-US" dirty="0" smtClean="0"/>
+              <a:t>，基础功能的接口都在该类中</a:t>
+            </a:r>
+            <a:endParaRPr kumimoji="1" lang="en-US" altLang="zh-CN" dirty="0" smtClean="0"/>
+          </a:p>
+          <a:p>
+            <a:r>
+              <a:rPr kumimoji="1" lang="zh-CN" altLang="en-US" dirty="0" smtClean="0"/>
+              <a:t>结构</a:t>
+            </a:r>
+            <a:r>
+              <a:rPr kumimoji="1" lang="zh-CN" altLang="en-US" dirty="0" smtClean="0"/>
+              <a:t>细化，单个类的逻辑清晰</a:t>
             </a:r>
             <a:endParaRPr kumimoji="1" lang="en-US" altLang="zh-CN" dirty="0" smtClean="0"/>
           </a:p>
@@ -4988,7 +4999,27 @@
           <a:p>
             <a:r>
               <a:rPr kumimoji="1" lang="zh-CN" altLang="en-US" dirty="0" smtClean="0"/>
-              <a:t>可以通过配置文件来进行一些核心功能点的配置，使用比较方便</a:t>
+              <a:t>可以通过配置</a:t>
+            </a:r>
+            <a:r>
+              <a:rPr kumimoji="1" lang="zh-CN" altLang="en-US" dirty="0" smtClean="0"/>
+              <a:t>文件或配置类来</a:t>
+            </a:r>
+            <a:r>
+              <a:rPr kumimoji="1" lang="zh-CN" altLang="en-US" dirty="0" smtClean="0"/>
+              <a:t>进行一些核心功能点的</a:t>
+            </a:r>
+            <a:r>
+              <a:rPr kumimoji="1" lang="zh-CN" altLang="en-US" smtClean="0"/>
+              <a:t>配置</a:t>
+            </a:r>
+            <a:r>
+              <a:rPr kumimoji="1" lang="zh-CN" altLang="en-US" smtClean="0"/>
+              <a:t>，扩展比较</a:t>
+            </a:r>
+            <a:r>
+              <a:rPr kumimoji="1" lang="zh-CN" altLang="en-US" dirty="0" smtClean="0"/>
+              <a:t>方便</a:t>
             </a:r>
             <a:endParaRPr kumimoji="1" lang="en-US" altLang="zh-CN" dirty="0" smtClean="0"/>
           </a:p>
@@ -5075,7 +5106,23 @@
           <a:p>
             <a:r>
               <a:rPr kumimoji="1" lang="zh-CN" altLang="en-US" dirty="0" smtClean="0"/>
-              <a:t>模块过于细化，并且包接口不够清晰，不能一眼从大结构上了解工程的脉络</a:t>
+              <a:t>模块过于细化，并且包接口不够清晰，不能</a:t>
+            </a:r>
+            <a:r>
+              <a:rPr kumimoji="1" lang="zh-CN" altLang="en-US" dirty="0" smtClean="0"/>
+              <a:t>一</a:t>
+            </a:r>
+            <a:r>
+              <a:rPr kumimoji="1" lang="zh-CN" altLang="en-US" dirty="0" smtClean="0"/>
+              <a:t>目了然</a:t>
+            </a:r>
+            <a:r>
+              <a:rPr kumimoji="1" lang="zh-CN" altLang="en-US" dirty="0" smtClean="0"/>
+              <a:t>从</a:t>
+            </a:r>
+            <a:r>
+              <a:rPr kumimoji="1" lang="zh-CN" altLang="en-US" dirty="0" smtClean="0"/>
+              <a:t>大结构上了解工程的脉络</a:t>
             </a:r>
             <a:endParaRPr kumimoji="1" lang="en-US" altLang="zh-CN" dirty="0" smtClean="0"/>
           </a:p>
@@ -5084,7 +5131,7 @@
               <a:rPr kumimoji="1" lang="zh-CN" altLang="en-US" dirty="0" smtClean="0"/>
               <a:t>代码结构层次过于深，通过接口一层层的深入，不方便掌控</a:t>
             </a:r>
-            <a:endParaRPr kumimoji="1" lang="en-US" altLang="zh-CN" smtClean="0"/>
+            <a:endParaRPr kumimoji="1" lang="en-US" altLang="zh-CN" dirty="0" smtClean="0"/>
           </a:p>
           <a:p>
             <a:endParaRPr kumimoji="1" lang="zh-CN" altLang="en-US" dirty="0"/>
@@ -5193,7 +5240,73 @@
           <a:bodyPr/>
           <a:lstStyle/>
           <a:p>
-            <a:endParaRPr kumimoji="1" lang="zh-CN" altLang="en-US" dirty="0"/>
+            <a:r>
+              <a:rPr kumimoji="1" lang="zh-CN" altLang="en-US" dirty="0" smtClean="0"/>
+              <a:t>通过</a:t>
+            </a:r>
+            <a:r>
+              <a:rPr kumimoji="1" lang="en-US" altLang="zh-CN" dirty="0" err="1" smtClean="0"/>
+              <a:t>DownloadMgrInitialParams.</a:t>
+            </a:r>
+            <a:r>
+              <a:rPr lang="en-US" altLang="zh-CN" dirty="0" err="1" smtClean="0"/>
+              <a:t>InitCustomMaker</a:t>
+            </a:r>
+            <a:r>
+              <a:rPr lang="zh-CN" altLang="en-US" dirty="0" smtClean="0"/>
+              <a:t>可以方便的自定义网络连接，数据库实现，</a:t>
+            </a:r>
+            <a:r>
+              <a:rPr lang="en-US" altLang="zh-CN" dirty="0" smtClean="0"/>
+              <a:t>id</a:t>
+            </a:r>
+            <a:r>
+              <a:rPr lang="zh-CN" altLang="en-US" dirty="0" smtClean="0"/>
+              <a:t>生成器等</a:t>
+            </a:r>
+            <a:endParaRPr lang="en-US" altLang="zh-CN" dirty="0" smtClean="0"/>
+          </a:p>
+          <a:p>
+            <a:r>
+              <a:rPr lang="zh-CN" altLang="en-US" dirty="0" smtClean="0"/>
+              <a:t>可以扩展自定义下载单个</a:t>
+            </a:r>
+            <a:r>
+              <a:rPr lang="en-US" altLang="zh-CN" dirty="0" smtClean="0"/>
+              <a:t>file</a:t>
+            </a:r>
+            <a:r>
+              <a:rPr lang="zh-CN" altLang="en-US" dirty="0" smtClean="0"/>
+              <a:t>的线程数，实现接口</a:t>
+            </a:r>
+            <a:r>
+              <a:rPr lang="en-US" altLang="zh-CN" dirty="0" err="1" smtClean="0"/>
+              <a:t>FileDownloadHelper.ConnectionCountAdapte</a:t>
+            </a:r>
+            <a:r>
+              <a:rPr lang="zh-CN" altLang="en-US" dirty="0" smtClean="0"/>
+              <a:t>，并通过</a:t>
+            </a:r>
+            <a:r>
+              <a:rPr lang="en-US" altLang="zh-CN" dirty="0" err="1"/>
+              <a:t>InitCustomMaker</a:t>
+            </a:r>
+            <a:r>
+              <a:rPr lang="en-US" altLang="zh-CN" dirty="0"/>
+              <a:t> .</a:t>
+            </a:r>
+            <a:r>
+              <a:rPr lang="en-US" altLang="zh-CN" dirty="0" err="1" smtClean="0"/>
+              <a:t>connectionCountAdapter</a:t>
+            </a:r>
+            <a:r>
+              <a:rPr lang="zh-CN" altLang="en-US" dirty="0" smtClean="0"/>
+              <a:t>来配置</a:t>
+            </a:r>
+            <a:endParaRPr lang="en-US" altLang="zh-CN" dirty="0" smtClean="0"/>
+          </a:p>
+          <a:p>
+            <a:endParaRPr lang="en-US" altLang="zh-CN" dirty="0" smtClean="0"/>
           </a:p>
         </p:txBody>
       </p:sp>

--- a/FileDownloader.pptx
+++ b/FileDownloader.pptx
@@ -620,7 +620,7 @@
             <a:fld id="{B61BEF0D-F0BB-DE4B-95CE-6DB70DBA9567}" type="datetimeFigureOut">
               <a:rPr lang="en-US" smtClean="0"/>
               <a:pPr/>
-              <a:t>12/19/17</a:t>
+              <a:t>12/20/2017</a:t>
             </a:fld>
             <a:endParaRPr lang="en-US" dirty="0"/>
           </a:p>
@@ -805,7 +805,7 @@
           <a:p>
             <a:fld id="{55C6B4A9-1611-4792-9094-5F34BCA07E0B}" type="datetimeFigureOut">
               <a:rPr lang="en-US" smtClean="0"/>
-              <a:t>12/19/17</a:t>
+              <a:t>12/20/2017</a:t>
             </a:fld>
             <a:endParaRPr lang="en-US" dirty="0"/>
           </a:p>
@@ -986,7 +986,7 @@
             <a:fld id="{B61BEF0D-F0BB-DE4B-95CE-6DB70DBA9567}" type="datetimeFigureOut">
               <a:rPr lang="en-US" smtClean="0"/>
               <a:pPr/>
-              <a:t>12/19/17</a:t>
+              <a:t>12/20/2017</a:t>
             </a:fld>
             <a:endParaRPr lang="en-US" dirty="0"/>
           </a:p>
@@ -1163,7 +1163,7 @@
             <a:fld id="{B61BEF0D-F0BB-DE4B-95CE-6DB70DBA9567}" type="datetimeFigureOut">
               <a:rPr lang="en-US" smtClean="0"/>
               <a:pPr/>
-              <a:t>12/19/17</a:t>
+              <a:t>12/20/2017</a:t>
             </a:fld>
             <a:endParaRPr lang="en-US" dirty="0"/>
           </a:p>
@@ -1486,7 +1486,7 @@
             <a:fld id="{B61BEF0D-F0BB-DE4B-95CE-6DB70DBA9567}" type="datetimeFigureOut">
               <a:rPr lang="en-US" smtClean="0"/>
               <a:pPr/>
-              <a:t>12/19/17</a:t>
+              <a:t>12/20/2017</a:t>
             </a:fld>
             <a:endParaRPr lang="en-US" dirty="0"/>
           </a:p>
@@ -1952,7 +1952,7 @@
           <a:p>
             <a:fld id="{EB712588-04B1-427B-82EE-E8DB90309F08}" type="datetimeFigureOut">
               <a:rPr lang="en-US" smtClean="0"/>
-              <a:t>12/19/17</a:t>
+              <a:t>12/20/2017</a:t>
             </a:fld>
             <a:endParaRPr lang="en-US" dirty="0"/>
           </a:p>
@@ -2369,7 +2369,7 @@
             <a:fld id="{B61BEF0D-F0BB-DE4B-95CE-6DB70DBA9567}" type="datetimeFigureOut">
               <a:rPr lang="en-US" smtClean="0"/>
               <a:pPr/>
-              <a:t>12/19/17</a:t>
+              <a:t>12/20/2017</a:t>
             </a:fld>
             <a:endParaRPr lang="en-US" dirty="0"/>
           </a:p>
@@ -2494,7 +2494,7 @@
             <a:fld id="{B61BEF0D-F0BB-DE4B-95CE-6DB70DBA9567}" type="datetimeFigureOut">
               <a:rPr lang="en-US" smtClean="0"/>
               <a:pPr/>
-              <a:t>12/19/17</a:t>
+              <a:t>12/20/2017</a:t>
             </a:fld>
             <a:endParaRPr lang="en-US" dirty="0"/>
           </a:p>
@@ -2614,7 +2614,7 @@
             <a:fld id="{B61BEF0D-F0BB-DE4B-95CE-6DB70DBA9567}" type="datetimeFigureOut">
               <a:rPr lang="en-US" smtClean="0"/>
               <a:pPr/>
-              <a:t>12/19/17</a:t>
+              <a:t>12/20/2017</a:t>
             </a:fld>
             <a:endParaRPr lang="en-US" dirty="0"/>
           </a:p>
@@ -2978,7 +2978,7 @@
           <a:p>
             <a:fld id="{42A54C80-263E-416B-A8E0-580EDEADCBDC}" type="datetimeFigureOut">
               <a:rPr lang="en-US" smtClean="0"/>
-              <a:t>12/19/17</a:t>
+              <a:t>12/20/2017</a:t>
             </a:fld>
             <a:endParaRPr lang="en-US" dirty="0"/>
           </a:p>
@@ -3491,7 +3491,7 @@
             <a:fld id="{B61BEF0D-F0BB-DE4B-95CE-6DB70DBA9567}" type="datetimeFigureOut">
               <a:rPr lang="en-US" smtClean="0"/>
               <a:pPr/>
-              <a:t>12/19/17</a:t>
+              <a:t>12/20/2017</a:t>
             </a:fld>
             <a:endParaRPr lang="en-US" dirty="0"/>
           </a:p>
@@ -3848,7 +3848,7 @@
             <a:fld id="{B61BEF0D-F0BB-DE4B-95CE-6DB70DBA9567}" type="datetimeFigureOut">
               <a:rPr lang="en-US" smtClean="0"/>
               <a:pPr/>
-              <a:t>12/19/17</a:t>
+              <a:t>12/20/2017</a:t>
             </a:fld>
             <a:endParaRPr lang="en-US" dirty="0"/>
           </a:p>
@@ -4974,11 +4974,7 @@
           <a:p>
             <a:r>
               <a:rPr kumimoji="1" lang="zh-CN" altLang="en-US" dirty="0" smtClean="0"/>
-              <a:t>结构</a:t>
-            </a:r>
-            <a:r>
-              <a:rPr kumimoji="1" lang="zh-CN" altLang="en-US" dirty="0" smtClean="0"/>
-              <a:t>细化，单个类的逻辑清晰</a:t>
+              <a:t>结构细化，单个类的逻辑清晰</a:t>
             </a:r>
             <a:endParaRPr kumimoji="1" lang="en-US" altLang="zh-CN" dirty="0" smtClean="0"/>
           </a:p>
@@ -4999,23 +4995,11 @@
           <a:p>
             <a:r>
               <a:rPr kumimoji="1" lang="zh-CN" altLang="en-US" dirty="0" smtClean="0"/>
-              <a:t>可以通过配置</a:t>
-            </a:r>
-            <a:r>
-              <a:rPr kumimoji="1" lang="zh-CN" altLang="en-US" dirty="0" smtClean="0"/>
-              <a:t>文件或配置类来</a:t>
-            </a:r>
-            <a:r>
-              <a:rPr kumimoji="1" lang="zh-CN" altLang="en-US" dirty="0" smtClean="0"/>
-              <a:t>进行一些核心功能点的</a:t>
+              <a:t>可以通过配置文件或配置类来进行一些核心功能点的</a:t>
             </a:r>
             <a:r>
               <a:rPr kumimoji="1" lang="zh-CN" altLang="en-US" smtClean="0"/>
-              <a:t>配置</a:t>
-            </a:r>
-            <a:r>
-              <a:rPr kumimoji="1" lang="zh-CN" altLang="en-US" smtClean="0"/>
-              <a:t>，扩展比较</a:t>
+              <a:t>配置，扩展比较</a:t>
             </a:r>
             <a:r>
               <a:rPr kumimoji="1" lang="zh-CN" altLang="en-US" dirty="0" smtClean="0"/>
@@ -5106,30 +5090,33 @@
           <a:p>
             <a:r>
               <a:rPr kumimoji="1" lang="zh-CN" altLang="en-US" dirty="0" smtClean="0"/>
-              <a:t>模块过于细化，并且包接口不够清晰，不能</a:t>
-            </a:r>
+              <a:t>模块过于细化，并且包接口不够清晰，不能一目了然从大结构上了解工程的脉络</a:t>
+            </a:r>
+            <a:endParaRPr kumimoji="1" lang="en-US" altLang="zh-CN" dirty="0" smtClean="0"/>
+          </a:p>
+          <a:p>
             <a:r>
               <a:rPr kumimoji="1" lang="zh-CN" altLang="en-US" dirty="0" smtClean="0"/>
-              <a:t>一</a:t>
+              <a:t>代码结构层次过于深，通过接口一层层的深入，不方便掌</a:t>
             </a:r>
             <a:r>
               <a:rPr kumimoji="1" lang="zh-CN" altLang="en-US" dirty="0" smtClean="0"/>
-              <a:t>目了然</a:t>
-            </a:r>
+              <a:t>控</a:t>
+            </a:r>
+            <a:endParaRPr kumimoji="1" lang="en-US" altLang="zh-CN" dirty="0" smtClean="0"/>
+          </a:p>
+          <a:p>
             <a:r>
               <a:rPr kumimoji="1" lang="zh-CN" altLang="en-US" dirty="0" smtClean="0"/>
-              <a:t>从</a:t>
+              <a:t>文件最终下载的线程数是</a:t>
+            </a:r>
+            <a:r>
+              <a:rPr kumimoji="1" lang="en-US" altLang="zh-CN" dirty="0" err="1" smtClean="0"/>
+              <a:t>Integer.Max</a:t>
             </a:r>
             <a:r>
               <a:rPr kumimoji="1" lang="zh-CN" altLang="en-US" dirty="0" smtClean="0"/>
-              <a:t>大结构上了解工程的脉络</a:t>
-            </a:r>
-            <a:endParaRPr kumimoji="1" lang="en-US" altLang="zh-CN" dirty="0" smtClean="0"/>
-          </a:p>
-          <a:p>
-            <a:r>
-              <a:rPr kumimoji="1" lang="zh-CN" altLang="en-US" dirty="0" smtClean="0"/>
-              <a:t>代码结构层次过于深，通过接口一层层的深入，不方便掌控</a:t>
+              <a:t>，没有针对这块做配置或者最大数的控制，可能导致开过多线程和文件流</a:t>
             </a:r>
             <a:endParaRPr kumimoji="1" lang="en-US" altLang="zh-CN" dirty="0" smtClean="0"/>
           </a:p>

--- a/FileDownloader.pptx
+++ b/FileDownloader.pptx
@@ -7,11 +7,14 @@
   <p:sldIdLst>
     <p:sldId id="256" r:id="rId2"/>
     <p:sldId id="257" r:id="rId3"/>
-    <p:sldId id="258" r:id="rId4"/>
-    <p:sldId id="259" r:id="rId5"/>
-    <p:sldId id="260" r:id="rId6"/>
-    <p:sldId id="261" r:id="rId7"/>
-    <p:sldId id="262" r:id="rId8"/>
+    <p:sldId id="264" r:id="rId4"/>
+    <p:sldId id="263" r:id="rId5"/>
+    <p:sldId id="258" r:id="rId6"/>
+    <p:sldId id="259" r:id="rId7"/>
+    <p:sldId id="260" r:id="rId8"/>
+    <p:sldId id="261" r:id="rId9"/>
+    <p:sldId id="265" r:id="rId10"/>
+    <p:sldId id="262" r:id="rId11"/>
   </p:sldIdLst>
   <p:sldSz cx="12192000" cy="6858000"/>
   <p:notesSz cx="6858000" cy="9144000"/>
@@ -620,7 +623,7 @@
             <a:fld id="{B61BEF0D-F0BB-DE4B-95CE-6DB70DBA9567}" type="datetimeFigureOut">
               <a:rPr lang="en-US" smtClean="0"/>
               <a:pPr/>
-              <a:t>12/20/2017</a:t>
+              <a:t>12/21/2017</a:t>
             </a:fld>
             <a:endParaRPr lang="en-US" dirty="0"/>
           </a:p>
@@ -805,7 +808,7 @@
           <a:p>
             <a:fld id="{55C6B4A9-1611-4792-9094-5F34BCA07E0B}" type="datetimeFigureOut">
               <a:rPr lang="en-US" smtClean="0"/>
-              <a:t>12/20/2017</a:t>
+              <a:t>12/21/2017</a:t>
             </a:fld>
             <a:endParaRPr lang="en-US" dirty="0"/>
           </a:p>
@@ -986,7 +989,7 @@
             <a:fld id="{B61BEF0D-F0BB-DE4B-95CE-6DB70DBA9567}" type="datetimeFigureOut">
               <a:rPr lang="en-US" smtClean="0"/>
               <a:pPr/>
-              <a:t>12/20/2017</a:t>
+              <a:t>12/21/2017</a:t>
             </a:fld>
             <a:endParaRPr lang="en-US" dirty="0"/>
           </a:p>
@@ -1163,7 +1166,7 @@
             <a:fld id="{B61BEF0D-F0BB-DE4B-95CE-6DB70DBA9567}" type="datetimeFigureOut">
               <a:rPr lang="en-US" smtClean="0"/>
               <a:pPr/>
-              <a:t>12/20/2017</a:t>
+              <a:t>12/21/2017</a:t>
             </a:fld>
             <a:endParaRPr lang="en-US" dirty="0"/>
           </a:p>
@@ -1486,7 +1489,7 @@
             <a:fld id="{B61BEF0D-F0BB-DE4B-95CE-6DB70DBA9567}" type="datetimeFigureOut">
               <a:rPr lang="en-US" smtClean="0"/>
               <a:pPr/>
-              <a:t>12/20/2017</a:t>
+              <a:t>12/21/2017</a:t>
             </a:fld>
             <a:endParaRPr lang="en-US" dirty="0"/>
           </a:p>
@@ -1952,7 +1955,7 @@
           <a:p>
             <a:fld id="{EB712588-04B1-427B-82EE-E8DB90309F08}" type="datetimeFigureOut">
               <a:rPr lang="en-US" smtClean="0"/>
-              <a:t>12/20/2017</a:t>
+              <a:t>12/21/2017</a:t>
             </a:fld>
             <a:endParaRPr lang="en-US" dirty="0"/>
           </a:p>
@@ -2369,7 +2372,7 @@
             <a:fld id="{B61BEF0D-F0BB-DE4B-95CE-6DB70DBA9567}" type="datetimeFigureOut">
               <a:rPr lang="en-US" smtClean="0"/>
               <a:pPr/>
-              <a:t>12/20/2017</a:t>
+              <a:t>12/21/2017</a:t>
             </a:fld>
             <a:endParaRPr lang="en-US" dirty="0"/>
           </a:p>
@@ -2494,7 +2497,7 @@
             <a:fld id="{B61BEF0D-F0BB-DE4B-95CE-6DB70DBA9567}" type="datetimeFigureOut">
               <a:rPr lang="en-US" smtClean="0"/>
               <a:pPr/>
-              <a:t>12/20/2017</a:t>
+              <a:t>12/21/2017</a:t>
             </a:fld>
             <a:endParaRPr lang="en-US" dirty="0"/>
           </a:p>
@@ -2614,7 +2617,7 @@
             <a:fld id="{B61BEF0D-F0BB-DE4B-95CE-6DB70DBA9567}" type="datetimeFigureOut">
               <a:rPr lang="en-US" smtClean="0"/>
               <a:pPr/>
-              <a:t>12/20/2017</a:t>
+              <a:t>12/21/2017</a:t>
             </a:fld>
             <a:endParaRPr lang="en-US" dirty="0"/>
           </a:p>
@@ -2978,7 +2981,7 @@
           <a:p>
             <a:fld id="{42A54C80-263E-416B-A8E0-580EDEADCBDC}" type="datetimeFigureOut">
               <a:rPr lang="en-US" smtClean="0"/>
-              <a:t>12/20/2017</a:t>
+              <a:t>12/21/2017</a:t>
             </a:fld>
             <a:endParaRPr lang="en-US" dirty="0"/>
           </a:p>
@@ -3491,7 +3494,7 @@
             <a:fld id="{B61BEF0D-F0BB-DE4B-95CE-6DB70DBA9567}" type="datetimeFigureOut">
               <a:rPr lang="en-US" smtClean="0"/>
               <a:pPr/>
-              <a:t>12/20/2017</a:t>
+              <a:t>12/21/2017</a:t>
             </a:fld>
             <a:endParaRPr lang="en-US" dirty="0"/>
           </a:p>
@@ -3848,7 +3851,7 @@
             <a:fld id="{B61BEF0D-F0BB-DE4B-95CE-6DB70DBA9567}" type="datetimeFigureOut">
               <a:rPr lang="en-US" smtClean="0"/>
               <a:pPr/>
-              <a:t>12/20/2017</a:t>
+              <a:t>12/21/2017</a:t>
             </a:fld>
             <a:endParaRPr lang="en-US" dirty="0"/>
           </a:p>
@@ -4541,6 +4544,178 @@
 </p:sld>
 </file>
 
+<file path=ppt/slides/slide10.xml><?xml version="1.0" encoding="utf-8"?>
+<p:sld xmlns:a="http://schemas.openxmlformats.org/drawingml/2006/main" xmlns:r="http://schemas.openxmlformats.org/officeDocument/2006/relationships" xmlns:p="http://schemas.openxmlformats.org/presentationml/2006/main">
+  <p:cSld>
+    <p:spTree>
+      <p:nvGrpSpPr>
+        <p:cNvPr id="1" name=""/>
+        <p:cNvGrpSpPr/>
+        <p:nvPr/>
+      </p:nvGrpSpPr>
+      <p:grpSpPr>
+        <a:xfrm>
+          <a:off x="0" y="0"/>
+          <a:ext cx="0" cy="0"/>
+          <a:chOff x="0" y="0"/>
+          <a:chExt cx="0" cy="0"/>
+        </a:xfrm>
+      </p:grpSpPr>
+      <p:sp>
+        <p:nvSpPr>
+          <p:cNvPr id="2" name="标题 1"/>
+          <p:cNvSpPr>
+            <a:spLocks noGrp="1"/>
+          </p:cNvSpPr>
+          <p:nvPr>
+            <p:ph type="title"/>
+          </p:nvPr>
+        </p:nvSpPr>
+        <p:spPr/>
+        <p:txBody>
+          <a:bodyPr/>
+          <a:lstStyle/>
+          <a:p>
+            <a:r>
+              <a:rPr kumimoji="1" lang="zh-CN" altLang="en-US" dirty="0" smtClean="0">
+                <a:latin typeface="Microsoft YaHei" charset="-122"/>
+                <a:ea typeface="Microsoft YaHei" charset="-122"/>
+                <a:cs typeface="Microsoft YaHei" charset="-122"/>
+              </a:rPr>
+              <a:t>拓展</a:t>
+            </a:r>
+            <a:endParaRPr kumimoji="1" lang="zh-CN" altLang="en-US" dirty="0">
+              <a:latin typeface="Microsoft YaHei" charset="-122"/>
+              <a:ea typeface="Microsoft YaHei" charset="-122"/>
+              <a:cs typeface="Microsoft YaHei" charset="-122"/>
+            </a:endParaRPr>
+          </a:p>
+        </p:txBody>
+      </p:sp>
+      <p:sp>
+        <p:nvSpPr>
+          <p:cNvPr id="3" name="内容占位符 2"/>
+          <p:cNvSpPr>
+            <a:spLocks noGrp="1"/>
+          </p:cNvSpPr>
+          <p:nvPr>
+            <p:ph idx="1"/>
+          </p:nvPr>
+        </p:nvSpPr>
+        <p:spPr/>
+        <p:txBody>
+          <a:bodyPr/>
+          <a:lstStyle/>
+          <a:p>
+            <a:r>
+              <a:rPr kumimoji="1" lang="zh-CN" altLang="en-US" dirty="0" smtClean="0"/>
+              <a:t>通过</a:t>
+            </a:r>
+            <a:r>
+              <a:rPr kumimoji="1" lang="en-US" altLang="zh-CN" dirty="0" err="1" smtClean="0"/>
+              <a:t>DownloadMgrInitialParams.</a:t>
+            </a:r>
+            <a:r>
+              <a:rPr lang="en-US" altLang="zh-CN" dirty="0" err="1" smtClean="0"/>
+              <a:t>InitCustomMaker</a:t>
+            </a:r>
+            <a:r>
+              <a:rPr lang="zh-CN" altLang="en-US" dirty="0" smtClean="0"/>
+              <a:t>可以方便的自定义网络连接，数据库实现，</a:t>
+            </a:r>
+            <a:r>
+              <a:rPr lang="en-US" altLang="zh-CN" dirty="0" smtClean="0"/>
+              <a:t>id</a:t>
+            </a:r>
+            <a:r>
+              <a:rPr lang="zh-CN" altLang="en-US" dirty="0" smtClean="0"/>
+              <a:t>生成器等</a:t>
+            </a:r>
+            <a:endParaRPr lang="en-US" altLang="zh-CN" dirty="0" smtClean="0"/>
+          </a:p>
+          <a:p>
+            <a:r>
+              <a:rPr lang="zh-CN" altLang="en-US" dirty="0" smtClean="0"/>
+              <a:t>可以扩展自定义下载单个</a:t>
+            </a:r>
+            <a:r>
+              <a:rPr lang="en-US" altLang="zh-CN" dirty="0" smtClean="0"/>
+              <a:t>file</a:t>
+            </a:r>
+            <a:r>
+              <a:rPr lang="zh-CN" altLang="en-US" dirty="0" smtClean="0"/>
+              <a:t>的线程数，实现接口</a:t>
+            </a:r>
+            <a:r>
+              <a:rPr lang="en-US" altLang="zh-CN" dirty="0" err="1" smtClean="0"/>
+              <a:t>FileDownloadHelper.ConnectionCountAdapte</a:t>
+            </a:r>
+            <a:r>
+              <a:rPr lang="zh-CN" altLang="en-US" dirty="0" smtClean="0"/>
+              <a:t>，并通过</a:t>
+            </a:r>
+            <a:r>
+              <a:rPr lang="en-US" altLang="zh-CN" dirty="0" err="1"/>
+              <a:t>InitCustomMaker</a:t>
+            </a:r>
+            <a:r>
+              <a:rPr lang="en-US" altLang="zh-CN" dirty="0"/>
+              <a:t> .</a:t>
+            </a:r>
+            <a:r>
+              <a:rPr lang="en-US" altLang="zh-CN" dirty="0" err="1" smtClean="0"/>
+              <a:t>connectionCountAdapter</a:t>
+            </a:r>
+            <a:r>
+              <a:rPr lang="zh-CN" altLang="en-US" dirty="0" smtClean="0"/>
+              <a:t>来配置</a:t>
+            </a:r>
+            <a:endParaRPr lang="en-US" altLang="zh-CN" dirty="0" smtClean="0"/>
+          </a:p>
+          <a:p>
+            <a:endParaRPr lang="en-US" altLang="zh-CN" dirty="0" smtClean="0"/>
+          </a:p>
+        </p:txBody>
+      </p:sp>
+      <p:sp>
+        <p:nvSpPr>
+          <p:cNvPr id="4" name="文本框 3"/>
+          <p:cNvSpPr txBox="1"/>
+          <p:nvPr/>
+        </p:nvSpPr>
+        <p:spPr>
+          <a:xfrm>
+            <a:off x="3905026" y="1333948"/>
+            <a:ext cx="184731" cy="369332"/>
+          </a:xfrm>
+          <a:prstGeom prst="rect">
+            <a:avLst/>
+          </a:prstGeom>
+          <a:noFill/>
+        </p:spPr>
+        <p:txBody>
+          <a:bodyPr wrap="none" rtlCol="0">
+            <a:spAutoFit/>
+          </a:bodyPr>
+          <a:lstStyle/>
+          <a:p>
+            <a:endParaRPr kumimoji="1" lang="zh-CN" altLang="en-US" dirty="0"/>
+          </a:p>
+        </p:txBody>
+      </p:sp>
+    </p:spTree>
+    <p:extLst>
+      <p:ext uri="{BB962C8B-B14F-4D97-AF65-F5344CB8AC3E}">
+        <p14:creationId xmlns:p14="http://schemas.microsoft.com/office/powerpoint/2010/main" val="1543192042"/>
+      </p:ext>
+    </p:extLst>
+  </p:cSld>
+  <p:clrMapOvr>
+    <a:masterClrMapping/>
+  </p:clrMapOvr>
+</p:sld>
+</file>
+
 <file path=ppt/slides/slide2.xml><?xml version="1.0" encoding="utf-8"?>
 <p:sld xmlns:a="http://schemas.openxmlformats.org/drawingml/2006/main" xmlns:r="http://schemas.openxmlformats.org/officeDocument/2006/relationships" xmlns:p="http://schemas.openxmlformats.org/presentationml/2006/main">
   <p:cSld>
@@ -4649,127 +4824,36 @@
           <a:chExt cx="0" cy="0"/>
         </a:xfrm>
       </p:grpSpPr>
-      <p:sp>
-        <p:nvSpPr>
-          <p:cNvPr id="2" name="标题 1"/>
-          <p:cNvSpPr>
-            <a:spLocks noGrp="1"/>
-          </p:cNvSpPr>
-          <p:nvPr>
-            <p:ph type="title"/>
-          </p:nvPr>
-        </p:nvSpPr>
-        <p:spPr/>
-        <p:txBody>
-          <a:bodyPr/>
-          <a:lstStyle/>
-          <a:p>
-            <a:r>
-              <a:rPr kumimoji="1" lang="zh-CN" altLang="en-US" dirty="0" smtClean="0">
-                <a:latin typeface="Microsoft YaHei" charset="-122"/>
-                <a:ea typeface="Microsoft YaHei" charset="-122"/>
-                <a:cs typeface="Microsoft YaHei" charset="-122"/>
-              </a:rPr>
-              <a:t>核心思想</a:t>
-            </a:r>
-            <a:endParaRPr kumimoji="1" lang="zh-CN" altLang="en-US" dirty="0">
-              <a:latin typeface="Microsoft YaHei" charset="-122"/>
-              <a:ea typeface="Microsoft YaHei" charset="-122"/>
-              <a:cs typeface="Microsoft YaHei" charset="-122"/>
-            </a:endParaRPr>
-          </a:p>
-        </p:txBody>
-      </p:sp>
-      <p:sp>
-        <p:nvSpPr>
-          <p:cNvPr id="3" name="内容占位符 2"/>
-          <p:cNvSpPr>
-            <a:spLocks noGrp="1"/>
-          </p:cNvSpPr>
+      <p:pic>
+        <p:nvPicPr>
+          <p:cNvPr id="4" name="内容占位符 3"/>
+          <p:cNvPicPr>
+            <a:picLocks noGrp="1" noChangeAspect="1"/>
+          </p:cNvPicPr>
           <p:nvPr>
             <p:ph idx="1"/>
           </p:nvPr>
-        </p:nvSpPr>
-        <p:spPr/>
-        <p:txBody>
-          <a:bodyPr/>
-          <a:lstStyle/>
-          <a:p>
-            <a:r>
-              <a:rPr kumimoji="1" lang="zh-CN" altLang="en-US" dirty="0" smtClean="0"/>
-              <a:t>一个下载作为一个</a:t>
-            </a:r>
-            <a:r>
-              <a:rPr kumimoji="1" lang="en-US" altLang="zh-CN" dirty="0" smtClean="0"/>
-              <a:t>Task</a:t>
-            </a:r>
-          </a:p>
-          <a:p>
-            <a:r>
-              <a:rPr kumimoji="1" lang="zh-CN" altLang="en-US" dirty="0" smtClean="0"/>
-              <a:t>多个</a:t>
-            </a:r>
-            <a:r>
-              <a:rPr kumimoji="1" lang="en-US" altLang="zh-CN" dirty="0" smtClean="0"/>
-              <a:t>Task</a:t>
-            </a:r>
-            <a:r>
-              <a:rPr kumimoji="1" lang="zh-CN" altLang="en-US" dirty="0" smtClean="0"/>
-              <a:t>放到</a:t>
-            </a:r>
-            <a:r>
-              <a:rPr kumimoji="1" lang="en-US" altLang="zh-CN" dirty="0" smtClean="0"/>
-              <a:t>List</a:t>
-            </a:r>
-            <a:r>
-              <a:rPr kumimoji="1" lang="zh-CN" altLang="en-US" dirty="0" smtClean="0"/>
-              <a:t>中，并发下载或者线性下载；</a:t>
-            </a:r>
-            <a:endParaRPr kumimoji="1" lang="en-US" altLang="zh-CN" dirty="0" smtClean="0"/>
-          </a:p>
-          <a:p>
-            <a:r>
-              <a:rPr kumimoji="1" lang="zh-CN" altLang="en-US" dirty="0" smtClean="0"/>
-              <a:t>每个</a:t>
-            </a:r>
-            <a:r>
-              <a:rPr kumimoji="1" lang="en-US" altLang="zh-CN" dirty="0" smtClean="0"/>
-              <a:t>Task</a:t>
-            </a:r>
-            <a:r>
-              <a:rPr kumimoji="1" lang="zh-CN" altLang="en-US" dirty="0" smtClean="0"/>
-              <a:t>单独维护自己的一套下载逻辑</a:t>
-            </a:r>
-            <a:endParaRPr kumimoji="1" lang="en-US" altLang="zh-CN" dirty="0" smtClean="0"/>
-          </a:p>
-          <a:p>
-            <a:r>
-              <a:rPr kumimoji="1" lang="zh-CN" altLang="en-US" dirty="0" smtClean="0"/>
-              <a:t>模块拆分细</a:t>
-            </a:r>
-            <a:endParaRPr kumimoji="1" lang="en-US" altLang="zh-CN" dirty="0" smtClean="0"/>
-          </a:p>
-          <a:p>
-            <a:r>
-              <a:rPr kumimoji="1" lang="zh-CN" altLang="en-US" dirty="0" smtClean="0"/>
-              <a:t>通过</a:t>
-            </a:r>
-            <a:r>
-              <a:rPr kumimoji="1" lang="en-US" altLang="zh-CN" dirty="0" smtClean="0"/>
-              <a:t>profile</a:t>
-            </a:r>
-            <a:r>
-              <a:rPr kumimoji="1" lang="zh-CN" altLang="en-US" dirty="0" smtClean="0"/>
-              <a:t>灵活配置</a:t>
-            </a:r>
-            <a:endParaRPr kumimoji="1" lang="zh-CN" altLang="en-US" dirty="0"/>
-          </a:p>
-        </p:txBody>
-      </p:sp>
+        </p:nvPicPr>
+        <p:blipFill>
+          <a:blip r:embed="rId2"/>
+          <a:stretch>
+            <a:fillRect/>
+          </a:stretch>
+        </p:blipFill>
+        <p:spPr>
+          <a:xfrm>
+            <a:off x="306950" y="949177"/>
+            <a:ext cx="11794122" cy="2695359"/>
+          </a:xfrm>
+          <a:prstGeom prst="rect">
+            <a:avLst/>
+          </a:prstGeom>
+        </p:spPr>
+      </p:pic>
     </p:spTree>
     <p:extLst>
       <p:ext uri="{BB962C8B-B14F-4D97-AF65-F5344CB8AC3E}">
-        <p14:creationId xmlns:p14="http://schemas.microsoft.com/office/powerpoint/2010/main" val="1337997111"/>
+        <p14:creationId xmlns:p14="http://schemas.microsoft.com/office/powerpoint/2010/main" val="1139590083"/>
       </p:ext>
     </p:extLst>
   </p:cSld>
@@ -4796,95 +4880,58 @@
           <a:chExt cx="0" cy="0"/>
         </a:xfrm>
       </p:grpSpPr>
-      <p:sp>
-        <p:nvSpPr>
-          <p:cNvPr id="2" name="标题 1"/>
-          <p:cNvSpPr>
-            <a:spLocks noGrp="1"/>
-          </p:cNvSpPr>
-          <p:nvPr>
-            <p:ph type="title"/>
-          </p:nvPr>
-        </p:nvSpPr>
-        <p:spPr/>
-        <p:txBody>
-          <a:bodyPr/>
-          <a:lstStyle/>
-          <a:p>
-            <a:r>
-              <a:rPr kumimoji="1" lang="zh-CN" altLang="en-US" dirty="0" smtClean="0">
-                <a:latin typeface="Microsoft YaHei" charset="-122"/>
-                <a:ea typeface="Microsoft YaHei" charset="-122"/>
-                <a:cs typeface="Microsoft YaHei" charset="-122"/>
-              </a:rPr>
-              <a:t>设计模式</a:t>
-            </a:r>
-            <a:endParaRPr kumimoji="1" lang="zh-CN" altLang="en-US" dirty="0">
-              <a:latin typeface="Microsoft YaHei" charset="-122"/>
-              <a:ea typeface="Microsoft YaHei" charset="-122"/>
-              <a:cs typeface="Microsoft YaHei" charset="-122"/>
-            </a:endParaRPr>
-          </a:p>
-        </p:txBody>
-      </p:sp>
-      <p:sp>
-        <p:nvSpPr>
-          <p:cNvPr id="3" name="内容占位符 2"/>
-          <p:cNvSpPr>
-            <a:spLocks noGrp="1"/>
-          </p:cNvSpPr>
-          <p:nvPr>
-            <p:ph idx="1"/>
-          </p:nvPr>
-        </p:nvSpPr>
-        <p:spPr/>
-        <p:txBody>
-          <a:bodyPr/>
-          <a:lstStyle/>
-          <a:p>
-            <a:r>
-              <a:rPr kumimoji="1" lang="zh-CN" altLang="en-US" dirty="0" smtClean="0"/>
-              <a:t>单例（到处是单例）</a:t>
-            </a:r>
-            <a:endParaRPr kumimoji="1" lang="en-US" altLang="zh-CN" dirty="0" smtClean="0"/>
-          </a:p>
-          <a:p>
-            <a:r>
-              <a:rPr kumimoji="1" lang="en-US" altLang="zh-CN" dirty="0" smtClean="0"/>
-              <a:t>Builder</a:t>
-            </a:r>
-            <a:r>
-              <a:rPr kumimoji="1" lang="zh-CN" altLang="en-US" dirty="0" smtClean="0"/>
-              <a:t>（建造者模式）</a:t>
-            </a:r>
-            <a:endParaRPr kumimoji="1" lang="en-US" altLang="zh-CN" dirty="0" smtClean="0"/>
-          </a:p>
-          <a:p>
-            <a:r>
-              <a:rPr kumimoji="1" lang="en-US" altLang="zh-CN" dirty="0" smtClean="0"/>
-              <a:t>Creator</a:t>
-            </a:r>
-          </a:p>
-          <a:p>
-            <a:r>
-              <a:rPr kumimoji="1" lang="zh-CN" altLang="en-US" dirty="0" smtClean="0"/>
-              <a:t>责任链模式</a:t>
-            </a:r>
-            <a:endParaRPr kumimoji="1" lang="en-US" altLang="zh-CN" dirty="0" smtClean="0"/>
-          </a:p>
-          <a:p>
-            <a:r>
-              <a:rPr kumimoji="1" lang="zh-CN" altLang="en-US" dirty="0" smtClean="0"/>
-              <a:t>命令模式</a:t>
-            </a:r>
-            <a:endParaRPr kumimoji="1" lang="zh-CN" altLang="en-US" dirty="0"/>
-          </a:p>
-        </p:txBody>
-      </p:sp>
+      <p:pic>
+        <p:nvPicPr>
+          <p:cNvPr id="5" name="图片 4"/>
+          <p:cNvPicPr>
+            <a:picLocks noChangeAspect="1"/>
+          </p:cNvPicPr>
+          <p:nvPr/>
+        </p:nvPicPr>
+        <p:blipFill>
+          <a:blip r:embed="rId2"/>
+          <a:stretch>
+            <a:fillRect/>
+          </a:stretch>
+        </p:blipFill>
+        <p:spPr>
+          <a:xfrm>
+            <a:off x="899916" y="2448809"/>
+            <a:ext cx="3390476" cy="3266667"/>
+          </a:xfrm>
+          <a:prstGeom prst="rect">
+            <a:avLst/>
+          </a:prstGeom>
+        </p:spPr>
+      </p:pic>
+      <p:pic>
+        <p:nvPicPr>
+          <p:cNvPr id="7" name="图片 6"/>
+          <p:cNvPicPr>
+            <a:picLocks noChangeAspect="1"/>
+          </p:cNvPicPr>
+          <p:nvPr/>
+        </p:nvPicPr>
+        <p:blipFill>
+          <a:blip r:embed="rId3"/>
+          <a:stretch>
+            <a:fillRect/>
+          </a:stretch>
+        </p:blipFill>
+        <p:spPr>
+          <a:xfrm>
+            <a:off x="104502" y="502360"/>
+            <a:ext cx="11980952" cy="1619048"/>
+          </a:xfrm>
+          <a:prstGeom prst="rect">
+            <a:avLst/>
+          </a:prstGeom>
+        </p:spPr>
+      </p:pic>
     </p:spTree>
     <p:extLst>
       <p:ext uri="{BB962C8B-B14F-4D97-AF65-F5344CB8AC3E}">
-        <p14:creationId xmlns:p14="http://schemas.microsoft.com/office/powerpoint/2010/main" val="990765869"/>
+        <p14:creationId xmlns:p14="http://schemas.microsoft.com/office/powerpoint/2010/main" val="1286688515"/>
       </p:ext>
     </p:extLst>
   </p:cSld>
@@ -4932,7 +4979,7 @@
                 <a:ea typeface="Microsoft YaHei" charset="-122"/>
                 <a:cs typeface="Microsoft YaHei" charset="-122"/>
               </a:rPr>
-              <a:t>特色、优点</a:t>
+              <a:t>核心思想</a:t>
             </a:r>
             <a:endParaRPr kumimoji="1" lang="zh-CN" altLang="en-US" dirty="0">
               <a:latin typeface="Microsoft YaHei" charset="-122"/>
@@ -4959,55 +5006,71 @@
           <a:p>
             <a:r>
               <a:rPr kumimoji="1" lang="zh-CN" altLang="en-US" dirty="0" smtClean="0"/>
-              <a:t>有个门面</a:t>
-            </a:r>
-            <a:r>
-              <a:rPr kumimoji="1" lang="en-US" altLang="zh-CN" dirty="0" err="1" smtClean="0"/>
-              <a:t>FileDownloader</a:t>
-            </a:r>
+              <a:t>一个下载作为一个</a:t>
+            </a:r>
+            <a:r>
+              <a:rPr kumimoji="1" lang="en-US" altLang="zh-CN" dirty="0" smtClean="0"/>
+              <a:t>Task</a:t>
+            </a:r>
+          </a:p>
+          <a:p>
             <a:r>
               <a:rPr kumimoji="1" lang="zh-CN" altLang="en-US" dirty="0" smtClean="0"/>
-              <a:t>，基础功能的接口都在该类中</a:t>
+              <a:t>多个</a:t>
+            </a:r>
+            <a:r>
+              <a:rPr kumimoji="1" lang="en-US" altLang="zh-CN" dirty="0" smtClean="0"/>
+              <a:t>Task</a:t>
+            </a:r>
+            <a:r>
+              <a:rPr kumimoji="1" lang="zh-CN" altLang="en-US" dirty="0" smtClean="0"/>
+              <a:t>放到</a:t>
+            </a:r>
+            <a:r>
+              <a:rPr kumimoji="1" lang="en-US" altLang="zh-CN" dirty="0" smtClean="0"/>
+              <a:t>List</a:t>
+            </a:r>
+            <a:r>
+              <a:rPr kumimoji="1" lang="zh-CN" altLang="en-US" dirty="0" smtClean="0"/>
+              <a:t>中，并发下载或者线性下载；</a:t>
             </a:r>
             <a:endParaRPr kumimoji="1" lang="en-US" altLang="zh-CN" dirty="0" smtClean="0"/>
           </a:p>
           <a:p>
             <a:r>
               <a:rPr kumimoji="1" lang="zh-CN" altLang="en-US" dirty="0" smtClean="0"/>
-              <a:t>结构细化，单个类的逻辑清晰</a:t>
+              <a:t>每个</a:t>
+            </a:r>
+            <a:r>
+              <a:rPr kumimoji="1" lang="en-US" altLang="zh-CN" dirty="0" smtClean="0"/>
+              <a:t>Task</a:t>
+            </a:r>
+            <a:r>
+              <a:rPr kumimoji="1" lang="zh-CN" altLang="en-US" dirty="0" smtClean="0"/>
+              <a:t>单独维护自己的一套下载逻辑</a:t>
             </a:r>
             <a:endParaRPr kumimoji="1" lang="en-US" altLang="zh-CN" dirty="0" smtClean="0"/>
           </a:p>
           <a:p>
             <a:r>
               <a:rPr kumimoji="1" lang="zh-CN" altLang="en-US" dirty="0" smtClean="0"/>
-              <a:t>善于使用面向接口编程，抽象了大量接口类，便于理清逻辑</a:t>
+              <a:t>模块拆分细</a:t>
             </a:r>
             <a:endParaRPr kumimoji="1" lang="en-US" altLang="zh-CN" dirty="0" smtClean="0"/>
           </a:p>
           <a:p>
             <a:r>
               <a:rPr kumimoji="1" lang="zh-CN" altLang="en-US" dirty="0" smtClean="0"/>
-              <a:t>使用多种设计模式，使整个项目脉络清晰</a:t>
-            </a:r>
-            <a:endParaRPr kumimoji="1" lang="en-US" altLang="zh-CN" dirty="0" smtClean="0"/>
-          </a:p>
-          <a:p>
+              <a:t>通过</a:t>
+            </a:r>
+            <a:r>
+              <a:rPr kumimoji="1" lang="en-US" altLang="zh-CN" dirty="0" smtClean="0"/>
+              <a:t>profile</a:t>
+            </a:r>
             <a:r>
               <a:rPr kumimoji="1" lang="zh-CN" altLang="en-US" dirty="0" smtClean="0"/>
-              <a:t>可以通过配置文件或配置类来进行一些核心功能点的</a:t>
-            </a:r>
-            <a:r>
-              <a:rPr kumimoji="1" lang="zh-CN" altLang="en-US" smtClean="0"/>
-              <a:t>配置，扩展比较</a:t>
-            </a:r>
-            <a:r>
-              <a:rPr kumimoji="1" lang="zh-CN" altLang="en-US" dirty="0" smtClean="0"/>
-              <a:t>方便</a:t>
-            </a:r>
-            <a:endParaRPr kumimoji="1" lang="en-US" altLang="zh-CN" dirty="0" smtClean="0"/>
-          </a:p>
-          <a:p>
+              <a:t>灵活配置</a:t>
+            </a:r>
             <a:endParaRPr kumimoji="1" lang="zh-CN" altLang="en-US" dirty="0"/>
           </a:p>
         </p:txBody>
@@ -5015,7 +5078,7 @@
     </p:spTree>
     <p:extLst>
       <p:ext uri="{BB962C8B-B14F-4D97-AF65-F5344CB8AC3E}">
-        <p14:creationId xmlns:p14="http://schemas.microsoft.com/office/powerpoint/2010/main" val="2013487146"/>
+        <p14:creationId xmlns:p14="http://schemas.microsoft.com/office/powerpoint/2010/main" val="1337997111"/>
       </p:ext>
     </p:extLst>
   </p:cSld>
@@ -5063,7 +5126,7 @@
                 <a:ea typeface="Microsoft YaHei" charset="-122"/>
                 <a:cs typeface="Microsoft YaHei" charset="-122"/>
               </a:rPr>
-              <a:t>不足</a:t>
+              <a:t>设计模式</a:t>
             </a:r>
             <a:endParaRPr kumimoji="1" lang="zh-CN" altLang="en-US" dirty="0">
               <a:latin typeface="Microsoft YaHei" charset="-122"/>
@@ -5090,63 +5153,39 @@
           <a:p>
             <a:r>
               <a:rPr kumimoji="1" lang="zh-CN" altLang="en-US" dirty="0" smtClean="0"/>
-              <a:t>模块过于细化，并且包接口不够清晰，不能一目了然从大结构上了解工程的脉络</a:t>
+              <a:t>单例（到处是单例）</a:t>
             </a:r>
             <a:endParaRPr kumimoji="1" lang="en-US" altLang="zh-CN" dirty="0" smtClean="0"/>
           </a:p>
           <a:p>
             <a:r>
+              <a:rPr kumimoji="1" lang="en-US" altLang="zh-CN" dirty="0" smtClean="0"/>
+              <a:t>Builder</a:t>
+            </a:r>
+            <a:r>
               <a:rPr kumimoji="1" lang="zh-CN" altLang="en-US" dirty="0" smtClean="0"/>
-              <a:t>代码结构层次过于深，通过接口一层层的深入，不方便掌</a:t>
-            </a:r>
+              <a:t>（建造者模式）</a:t>
+            </a:r>
+            <a:endParaRPr kumimoji="1" lang="en-US" altLang="zh-CN" dirty="0" smtClean="0"/>
+          </a:p>
+          <a:p>
+            <a:r>
+              <a:rPr kumimoji="1" lang="en-US" altLang="zh-CN" dirty="0" smtClean="0"/>
+              <a:t>Creator</a:t>
+            </a:r>
+          </a:p>
+          <a:p>
             <a:r>
               <a:rPr kumimoji="1" lang="zh-CN" altLang="en-US" dirty="0" smtClean="0"/>
-              <a:t>控</a:t>
+              <a:t>责任链模式</a:t>
             </a:r>
             <a:endParaRPr kumimoji="1" lang="en-US" altLang="zh-CN" dirty="0" smtClean="0"/>
           </a:p>
           <a:p>
             <a:r>
               <a:rPr kumimoji="1" lang="zh-CN" altLang="en-US" dirty="0" smtClean="0"/>
-              <a:t>文件最终下载的线程数是</a:t>
-            </a:r>
-            <a:r>
-              <a:rPr kumimoji="1" lang="en-US" altLang="zh-CN" dirty="0" err="1" smtClean="0"/>
-              <a:t>Integer.Max</a:t>
-            </a:r>
-            <a:r>
-              <a:rPr kumimoji="1" lang="zh-CN" altLang="en-US" dirty="0" smtClean="0"/>
-              <a:t>，没有针对这块做配置或者最大数的控制，可能导致开过多线程和文件流</a:t>
-            </a:r>
-            <a:endParaRPr kumimoji="1" lang="en-US" altLang="zh-CN" dirty="0" smtClean="0"/>
-          </a:p>
-          <a:p>
-            <a:endParaRPr kumimoji="1" lang="zh-CN" altLang="en-US" dirty="0"/>
-          </a:p>
-        </p:txBody>
-      </p:sp>
-      <p:sp>
-        <p:nvSpPr>
-          <p:cNvPr id="4" name="文本框 3"/>
-          <p:cNvSpPr txBox="1"/>
-          <p:nvPr/>
-        </p:nvSpPr>
-        <p:spPr>
-          <a:xfrm>
-            <a:off x="3905026" y="1333948"/>
-            <a:ext cx="184731" cy="369332"/>
-          </a:xfrm>
-          <a:prstGeom prst="rect">
-            <a:avLst/>
-          </a:prstGeom>
-          <a:noFill/>
-        </p:spPr>
-        <p:txBody>
-          <a:bodyPr wrap="none" rtlCol="0">
-            <a:spAutoFit/>
-          </a:bodyPr>
-          <a:lstStyle/>
-          <a:p>
+              <a:t>命令模式</a:t>
+            </a:r>
             <a:endParaRPr kumimoji="1" lang="zh-CN" altLang="en-US" dirty="0"/>
           </a:p>
         </p:txBody>
@@ -5154,7 +5193,7 @@
     </p:spTree>
     <p:extLst>
       <p:ext uri="{BB962C8B-B14F-4D97-AF65-F5344CB8AC3E}">
-        <p14:creationId xmlns:p14="http://schemas.microsoft.com/office/powerpoint/2010/main" val="652334388"/>
+        <p14:creationId xmlns:p14="http://schemas.microsoft.com/office/powerpoint/2010/main" val="990765869"/>
       </p:ext>
     </p:extLst>
   </p:cSld>
@@ -5202,7 +5241,7 @@
                 <a:ea typeface="Microsoft YaHei" charset="-122"/>
                 <a:cs typeface="Microsoft YaHei" charset="-122"/>
               </a:rPr>
-              <a:t>拓展</a:t>
+              <a:t>特色、优点</a:t>
             </a:r>
             <a:endParaRPr kumimoji="1" lang="zh-CN" altLang="en-US" dirty="0">
               <a:latin typeface="Microsoft YaHei" charset="-122"/>
@@ -5229,71 +5268,165 @@
           <a:p>
             <a:r>
               <a:rPr kumimoji="1" lang="zh-CN" altLang="en-US" dirty="0" smtClean="0"/>
-              <a:t>通过</a:t>
+              <a:t>有个门面</a:t>
             </a:r>
             <a:r>
               <a:rPr kumimoji="1" lang="en-US" altLang="zh-CN" dirty="0" err="1" smtClean="0"/>
-              <a:t>DownloadMgrInitialParams.</a:t>
-            </a:r>
-            <a:r>
-              <a:rPr lang="en-US" altLang="zh-CN" dirty="0" err="1" smtClean="0"/>
-              <a:t>InitCustomMaker</a:t>
-            </a:r>
-            <a:r>
-              <a:rPr lang="zh-CN" altLang="en-US" dirty="0" smtClean="0"/>
-              <a:t>可以方便的自定义网络连接，数据库实现，</a:t>
-            </a:r>
-            <a:r>
-              <a:rPr lang="en-US" altLang="zh-CN" dirty="0" smtClean="0"/>
-              <a:t>id</a:t>
-            </a:r>
-            <a:r>
-              <a:rPr lang="zh-CN" altLang="en-US" dirty="0" smtClean="0"/>
-              <a:t>生成器等</a:t>
-            </a:r>
-            <a:endParaRPr lang="en-US" altLang="zh-CN" dirty="0" smtClean="0"/>
-          </a:p>
-          <a:p>
-            <a:r>
-              <a:rPr lang="zh-CN" altLang="en-US" dirty="0" smtClean="0"/>
-              <a:t>可以扩展自定义下载单个</a:t>
-            </a:r>
-            <a:r>
-              <a:rPr lang="en-US" altLang="zh-CN" dirty="0" smtClean="0"/>
-              <a:t>file</a:t>
-            </a:r>
-            <a:r>
-              <a:rPr lang="zh-CN" altLang="en-US" dirty="0" smtClean="0"/>
-              <a:t>的线程数，实现接口</a:t>
-            </a:r>
-            <a:r>
-              <a:rPr lang="en-US" altLang="zh-CN" dirty="0" err="1" smtClean="0"/>
-              <a:t>FileDownloadHelper.ConnectionCountAdapte</a:t>
-            </a:r>
-            <a:r>
-              <a:rPr lang="zh-CN" altLang="en-US" dirty="0" smtClean="0"/>
-              <a:t>，并通过</a:t>
-            </a:r>
-            <a:r>
-              <a:rPr lang="en-US" altLang="zh-CN" dirty="0" err="1"/>
-              <a:t>InitCustomMaker</a:t>
-            </a:r>
-            <a:r>
-              <a:rPr lang="en-US" altLang="zh-CN" dirty="0"/>
-              <a:t> .</a:t>
-            </a:r>
-            <a:r>
-              <a:rPr lang="en-US" altLang="zh-CN" dirty="0" err="1" smtClean="0"/>
-              <a:t>connectionCountAdapter</a:t>
-            </a:r>
-            <a:r>
-              <a:rPr lang="zh-CN" altLang="en-US" dirty="0" smtClean="0"/>
-              <a:t>来配置</a:t>
-            </a:r>
-            <a:endParaRPr lang="en-US" altLang="zh-CN" dirty="0" smtClean="0"/>
-          </a:p>
-          <a:p>
-            <a:endParaRPr lang="en-US" altLang="zh-CN" dirty="0" smtClean="0"/>
+              <a:t>FileDownloader</a:t>
+            </a:r>
+            <a:r>
+              <a:rPr kumimoji="1" lang="zh-CN" altLang="en-US" dirty="0" smtClean="0"/>
+              <a:t>，基础功能的接口都在该类中</a:t>
+            </a:r>
+            <a:endParaRPr kumimoji="1" lang="en-US" altLang="zh-CN" dirty="0" smtClean="0"/>
+          </a:p>
+          <a:p>
+            <a:r>
+              <a:rPr kumimoji="1" lang="zh-CN" altLang="en-US" dirty="0" smtClean="0"/>
+              <a:t>结构细化，单个类的逻辑清晰</a:t>
+            </a:r>
+            <a:endParaRPr kumimoji="1" lang="en-US" altLang="zh-CN" dirty="0" smtClean="0"/>
+          </a:p>
+          <a:p>
+            <a:r>
+              <a:rPr kumimoji="1" lang="zh-CN" altLang="en-US" dirty="0" smtClean="0"/>
+              <a:t>善于使用面向接口编程，抽象了大量接口类，便于理清逻辑</a:t>
+            </a:r>
+            <a:endParaRPr kumimoji="1" lang="en-US" altLang="zh-CN" dirty="0" smtClean="0"/>
+          </a:p>
+          <a:p>
+            <a:r>
+              <a:rPr kumimoji="1" lang="zh-CN" altLang="en-US" dirty="0" smtClean="0"/>
+              <a:t>使用多种设计模式，使整个项目脉络清晰</a:t>
+            </a:r>
+            <a:endParaRPr kumimoji="1" lang="en-US" altLang="zh-CN" dirty="0" smtClean="0"/>
+          </a:p>
+          <a:p>
+            <a:r>
+              <a:rPr kumimoji="1" lang="zh-CN" altLang="en-US" dirty="0" smtClean="0"/>
+              <a:t>可以通过配置文件或配置类来进行一些核心功能点的</a:t>
+            </a:r>
+            <a:r>
+              <a:rPr kumimoji="1" lang="zh-CN" altLang="en-US" smtClean="0"/>
+              <a:t>配置，扩展比较</a:t>
+            </a:r>
+            <a:r>
+              <a:rPr kumimoji="1" lang="zh-CN" altLang="en-US" dirty="0" smtClean="0"/>
+              <a:t>方便</a:t>
+            </a:r>
+            <a:endParaRPr kumimoji="1" lang="en-US" altLang="zh-CN" dirty="0" smtClean="0"/>
+          </a:p>
+          <a:p>
+            <a:endParaRPr kumimoji="1" lang="zh-CN" altLang="en-US" dirty="0"/>
+          </a:p>
+        </p:txBody>
+      </p:sp>
+    </p:spTree>
+    <p:extLst>
+      <p:ext uri="{BB962C8B-B14F-4D97-AF65-F5344CB8AC3E}">
+        <p14:creationId xmlns:p14="http://schemas.microsoft.com/office/powerpoint/2010/main" val="2013487146"/>
+      </p:ext>
+    </p:extLst>
+  </p:cSld>
+  <p:clrMapOvr>
+    <a:masterClrMapping/>
+  </p:clrMapOvr>
+</p:sld>
+</file>
+
+<file path=ppt/slides/slide8.xml><?xml version="1.0" encoding="utf-8"?>
+<p:sld xmlns:a="http://schemas.openxmlformats.org/drawingml/2006/main" xmlns:r="http://schemas.openxmlformats.org/officeDocument/2006/relationships" xmlns:p="http://schemas.openxmlformats.org/presentationml/2006/main">
+  <p:cSld>
+    <p:spTree>
+      <p:nvGrpSpPr>
+        <p:cNvPr id="1" name=""/>
+        <p:cNvGrpSpPr/>
+        <p:nvPr/>
+      </p:nvGrpSpPr>
+      <p:grpSpPr>
+        <a:xfrm>
+          <a:off x="0" y="0"/>
+          <a:ext cx="0" cy="0"/>
+          <a:chOff x="0" y="0"/>
+          <a:chExt cx="0" cy="0"/>
+        </a:xfrm>
+      </p:grpSpPr>
+      <p:sp>
+        <p:nvSpPr>
+          <p:cNvPr id="2" name="标题 1"/>
+          <p:cNvSpPr>
+            <a:spLocks noGrp="1"/>
+          </p:cNvSpPr>
+          <p:nvPr>
+            <p:ph type="title"/>
+          </p:nvPr>
+        </p:nvSpPr>
+        <p:spPr/>
+        <p:txBody>
+          <a:bodyPr/>
+          <a:lstStyle/>
+          <a:p>
+            <a:r>
+              <a:rPr kumimoji="1" lang="zh-CN" altLang="en-US" dirty="0" smtClean="0">
+                <a:latin typeface="Microsoft YaHei" charset="-122"/>
+                <a:ea typeface="Microsoft YaHei" charset="-122"/>
+                <a:cs typeface="Microsoft YaHei" charset="-122"/>
+              </a:rPr>
+              <a:t>不足</a:t>
+            </a:r>
+            <a:endParaRPr kumimoji="1" lang="zh-CN" altLang="en-US" dirty="0">
+              <a:latin typeface="Microsoft YaHei" charset="-122"/>
+              <a:ea typeface="Microsoft YaHei" charset="-122"/>
+              <a:cs typeface="Microsoft YaHei" charset="-122"/>
+            </a:endParaRPr>
+          </a:p>
+        </p:txBody>
+      </p:sp>
+      <p:sp>
+        <p:nvSpPr>
+          <p:cNvPr id="3" name="内容占位符 2"/>
+          <p:cNvSpPr>
+            <a:spLocks noGrp="1"/>
+          </p:cNvSpPr>
+          <p:nvPr>
+            <p:ph idx="1"/>
+          </p:nvPr>
+        </p:nvSpPr>
+        <p:spPr/>
+        <p:txBody>
+          <a:bodyPr/>
+          <a:lstStyle/>
+          <a:p>
+            <a:r>
+              <a:rPr kumimoji="1" lang="zh-CN" altLang="en-US" dirty="0" smtClean="0"/>
+              <a:t>模块过于细化，并且包接口不够清晰，不能一目了然从大结构上了解工程的脉络</a:t>
+            </a:r>
+            <a:endParaRPr kumimoji="1" lang="en-US" altLang="zh-CN" dirty="0" smtClean="0"/>
+          </a:p>
+          <a:p>
+            <a:r>
+              <a:rPr kumimoji="1" lang="zh-CN" altLang="en-US" dirty="0" smtClean="0"/>
+              <a:t>代码结构层次过于深，通过接口一层层的深入，不方便掌控</a:t>
+            </a:r>
+            <a:endParaRPr kumimoji="1" lang="en-US" altLang="zh-CN" dirty="0" smtClean="0"/>
+          </a:p>
+          <a:p>
+            <a:r>
+              <a:rPr kumimoji="1" lang="zh-CN" altLang="en-US" dirty="0" smtClean="0"/>
+              <a:t>文件最终下载的线程数是</a:t>
+            </a:r>
+            <a:r>
+              <a:rPr kumimoji="1" lang="en-US" altLang="zh-CN" dirty="0" err="1" smtClean="0"/>
+              <a:t>Integer.Max</a:t>
+            </a:r>
+            <a:r>
+              <a:rPr kumimoji="1" lang="zh-CN" altLang="en-US" dirty="0" smtClean="0"/>
+              <a:t>，没有针对这块做配置或者最大数的控制，可能导致开过多线程和文件流</a:t>
+            </a:r>
+            <a:endParaRPr kumimoji="1" lang="en-US" altLang="zh-CN" dirty="0" smtClean="0"/>
+          </a:p>
+          <a:p>
+            <a:endParaRPr kumimoji="1" lang="zh-CN" altLang="en-US" dirty="0"/>
           </a:p>
         </p:txBody>
       </p:sp>
@@ -5326,7 +5459,109 @@
     </p:spTree>
     <p:extLst>
       <p:ext uri="{BB962C8B-B14F-4D97-AF65-F5344CB8AC3E}">
-        <p14:creationId xmlns:p14="http://schemas.microsoft.com/office/powerpoint/2010/main" val="1543192042"/>
+        <p14:creationId xmlns:p14="http://schemas.microsoft.com/office/powerpoint/2010/main" val="652334388"/>
+      </p:ext>
+    </p:extLst>
+  </p:cSld>
+  <p:clrMapOvr>
+    <a:masterClrMapping/>
+  </p:clrMapOvr>
+</p:sld>
+</file>
+
+<file path=ppt/slides/slide9.xml><?xml version="1.0" encoding="utf-8"?>
+<p:sld xmlns:a="http://schemas.openxmlformats.org/drawingml/2006/main" xmlns:r="http://schemas.openxmlformats.org/officeDocument/2006/relationships" xmlns:p="http://schemas.openxmlformats.org/presentationml/2006/main">
+  <p:cSld>
+    <p:spTree>
+      <p:nvGrpSpPr>
+        <p:cNvPr id="1" name=""/>
+        <p:cNvGrpSpPr/>
+        <p:nvPr/>
+      </p:nvGrpSpPr>
+      <p:grpSpPr>
+        <a:xfrm>
+          <a:off x="0" y="0"/>
+          <a:ext cx="0" cy="0"/>
+          <a:chOff x="0" y="0"/>
+          <a:chExt cx="0" cy="0"/>
+        </a:xfrm>
+      </p:grpSpPr>
+      <p:pic>
+        <p:nvPicPr>
+          <p:cNvPr id="4" name="图片 3"/>
+          <p:cNvPicPr>
+            <a:picLocks noChangeAspect="1"/>
+          </p:cNvPicPr>
+          <p:nvPr/>
+        </p:nvPicPr>
+        <p:blipFill>
+          <a:blip r:embed="rId2"/>
+          <a:stretch>
+            <a:fillRect/>
+          </a:stretch>
+        </p:blipFill>
+        <p:spPr>
+          <a:xfrm>
+            <a:off x="617729" y="770197"/>
+            <a:ext cx="6419048" cy="314286"/>
+          </a:xfrm>
+          <a:prstGeom prst="rect">
+            <a:avLst/>
+          </a:prstGeom>
+        </p:spPr>
+      </p:pic>
+      <p:pic>
+        <p:nvPicPr>
+          <p:cNvPr id="5" name="图片 4"/>
+          <p:cNvPicPr>
+            <a:picLocks noChangeAspect="1"/>
+          </p:cNvPicPr>
+          <p:nvPr/>
+        </p:nvPicPr>
+        <p:blipFill>
+          <a:blip r:embed="rId3"/>
+          <a:stretch>
+            <a:fillRect/>
+          </a:stretch>
+        </p:blipFill>
+        <p:spPr>
+          <a:xfrm>
+            <a:off x="617729" y="1281947"/>
+            <a:ext cx="7542857" cy="3276190"/>
+          </a:xfrm>
+          <a:prstGeom prst="rect">
+            <a:avLst/>
+          </a:prstGeom>
+        </p:spPr>
+      </p:pic>
+      <p:pic>
+        <p:nvPicPr>
+          <p:cNvPr id="6" name="图片 5"/>
+          <p:cNvPicPr>
+            <a:picLocks noChangeAspect="1"/>
+          </p:cNvPicPr>
+          <p:nvPr/>
+        </p:nvPicPr>
+        <p:blipFill>
+          <a:blip r:embed="rId4"/>
+          <a:stretch>
+            <a:fillRect/>
+          </a:stretch>
+        </p:blipFill>
+        <p:spPr>
+          <a:xfrm>
+            <a:off x="5960853" y="3038669"/>
+            <a:ext cx="5781661" cy="3805182"/>
+          </a:xfrm>
+          <a:prstGeom prst="rect">
+            <a:avLst/>
+          </a:prstGeom>
+        </p:spPr>
+      </p:pic>
+    </p:spTree>
+    <p:extLst>
+      <p:ext uri="{BB962C8B-B14F-4D97-AF65-F5344CB8AC3E}">
+        <p14:creationId xmlns:p14="http://schemas.microsoft.com/office/powerpoint/2010/main" val="431201368"/>
       </p:ext>
     </p:extLst>
   </p:cSld>

--- a/FileDownloader.pptx
+++ b/FileDownloader.pptx
@@ -12,9 +12,11 @@
     <p:sldId id="258" r:id="rId6"/>
     <p:sldId id="259" r:id="rId7"/>
     <p:sldId id="260" r:id="rId8"/>
-    <p:sldId id="261" r:id="rId9"/>
-    <p:sldId id="265" r:id="rId10"/>
-    <p:sldId id="262" r:id="rId11"/>
+    <p:sldId id="266" r:id="rId9"/>
+    <p:sldId id="267" r:id="rId10"/>
+    <p:sldId id="261" r:id="rId11"/>
+    <p:sldId id="265" r:id="rId12"/>
+    <p:sldId id="262" r:id="rId13"/>
   </p:sldIdLst>
   <p:sldSz cx="12192000" cy="6858000"/>
   <p:notesSz cx="6858000" cy="9144000"/>
@@ -623,7 +625,7 @@
             <a:fld id="{B61BEF0D-F0BB-DE4B-95CE-6DB70DBA9567}" type="datetimeFigureOut">
               <a:rPr lang="en-US" smtClean="0"/>
               <a:pPr/>
-              <a:t>12/21/2017</a:t>
+              <a:t>12/22/2017</a:t>
             </a:fld>
             <a:endParaRPr lang="en-US" dirty="0"/>
           </a:p>
@@ -808,7 +810,7 @@
           <a:p>
             <a:fld id="{55C6B4A9-1611-4792-9094-5F34BCA07E0B}" type="datetimeFigureOut">
               <a:rPr lang="en-US" smtClean="0"/>
-              <a:t>12/21/2017</a:t>
+              <a:t>12/22/2017</a:t>
             </a:fld>
             <a:endParaRPr lang="en-US" dirty="0"/>
           </a:p>
@@ -989,7 +991,7 @@
             <a:fld id="{B61BEF0D-F0BB-DE4B-95CE-6DB70DBA9567}" type="datetimeFigureOut">
               <a:rPr lang="en-US" smtClean="0"/>
               <a:pPr/>
-              <a:t>12/21/2017</a:t>
+              <a:t>12/22/2017</a:t>
             </a:fld>
             <a:endParaRPr lang="en-US" dirty="0"/>
           </a:p>
@@ -1166,7 +1168,7 @@
             <a:fld id="{B61BEF0D-F0BB-DE4B-95CE-6DB70DBA9567}" type="datetimeFigureOut">
               <a:rPr lang="en-US" smtClean="0"/>
               <a:pPr/>
-              <a:t>12/21/2017</a:t>
+              <a:t>12/22/2017</a:t>
             </a:fld>
             <a:endParaRPr lang="en-US" dirty="0"/>
           </a:p>
@@ -1489,7 +1491,7 @@
             <a:fld id="{B61BEF0D-F0BB-DE4B-95CE-6DB70DBA9567}" type="datetimeFigureOut">
               <a:rPr lang="en-US" smtClean="0"/>
               <a:pPr/>
-              <a:t>12/21/2017</a:t>
+              <a:t>12/22/2017</a:t>
             </a:fld>
             <a:endParaRPr lang="en-US" dirty="0"/>
           </a:p>
@@ -1955,7 +1957,7 @@
           <a:p>
             <a:fld id="{EB712588-04B1-427B-82EE-E8DB90309F08}" type="datetimeFigureOut">
               <a:rPr lang="en-US" smtClean="0"/>
-              <a:t>12/21/2017</a:t>
+              <a:t>12/22/2017</a:t>
             </a:fld>
             <a:endParaRPr lang="en-US" dirty="0"/>
           </a:p>
@@ -2372,7 +2374,7 @@
             <a:fld id="{B61BEF0D-F0BB-DE4B-95CE-6DB70DBA9567}" type="datetimeFigureOut">
               <a:rPr lang="en-US" smtClean="0"/>
               <a:pPr/>
-              <a:t>12/21/2017</a:t>
+              <a:t>12/22/2017</a:t>
             </a:fld>
             <a:endParaRPr lang="en-US" dirty="0"/>
           </a:p>
@@ -2497,7 +2499,7 @@
             <a:fld id="{B61BEF0D-F0BB-DE4B-95CE-6DB70DBA9567}" type="datetimeFigureOut">
               <a:rPr lang="en-US" smtClean="0"/>
               <a:pPr/>
-              <a:t>12/21/2017</a:t>
+              <a:t>12/22/2017</a:t>
             </a:fld>
             <a:endParaRPr lang="en-US" dirty="0"/>
           </a:p>
@@ -2617,7 +2619,7 @@
             <a:fld id="{B61BEF0D-F0BB-DE4B-95CE-6DB70DBA9567}" type="datetimeFigureOut">
               <a:rPr lang="en-US" smtClean="0"/>
               <a:pPr/>
-              <a:t>12/21/2017</a:t>
+              <a:t>12/22/2017</a:t>
             </a:fld>
             <a:endParaRPr lang="en-US" dirty="0"/>
           </a:p>
@@ -2981,7 +2983,7 @@
           <a:p>
             <a:fld id="{42A54C80-263E-416B-A8E0-580EDEADCBDC}" type="datetimeFigureOut">
               <a:rPr lang="en-US" smtClean="0"/>
-              <a:t>12/21/2017</a:t>
+              <a:t>12/22/2017</a:t>
             </a:fld>
             <a:endParaRPr lang="en-US" dirty="0"/>
           </a:p>
@@ -3494,7 +3496,7 @@
             <a:fld id="{B61BEF0D-F0BB-DE4B-95CE-6DB70DBA9567}" type="datetimeFigureOut">
               <a:rPr lang="en-US" smtClean="0"/>
               <a:pPr/>
-              <a:t>12/21/2017</a:t>
+              <a:t>12/22/2017</a:t>
             </a:fld>
             <a:endParaRPr lang="en-US" dirty="0"/>
           </a:p>
@@ -3851,7 +3853,7 @@
             <a:fld id="{B61BEF0D-F0BB-DE4B-95CE-6DB70DBA9567}" type="datetimeFigureOut">
               <a:rPr lang="en-US" smtClean="0"/>
               <a:pPr/>
-              <a:t>12/21/2017</a:t>
+              <a:t>12/22/2017</a:t>
             </a:fld>
             <a:endParaRPr lang="en-US" dirty="0"/>
           </a:p>
@@ -4582,6 +4584,243 @@
                 <a:ea typeface="Microsoft YaHei" charset="-122"/>
                 <a:cs typeface="Microsoft YaHei" charset="-122"/>
               </a:rPr>
+              <a:t>不足</a:t>
+            </a:r>
+            <a:endParaRPr kumimoji="1" lang="zh-CN" altLang="en-US" dirty="0">
+              <a:latin typeface="Microsoft YaHei" charset="-122"/>
+              <a:ea typeface="Microsoft YaHei" charset="-122"/>
+              <a:cs typeface="Microsoft YaHei" charset="-122"/>
+            </a:endParaRPr>
+          </a:p>
+        </p:txBody>
+      </p:sp>
+      <p:sp>
+        <p:nvSpPr>
+          <p:cNvPr id="3" name="内容占位符 2"/>
+          <p:cNvSpPr>
+            <a:spLocks noGrp="1"/>
+          </p:cNvSpPr>
+          <p:nvPr>
+            <p:ph idx="1"/>
+          </p:nvPr>
+        </p:nvSpPr>
+        <p:spPr/>
+        <p:txBody>
+          <a:bodyPr/>
+          <a:lstStyle/>
+          <a:p>
+            <a:r>
+              <a:rPr kumimoji="1" lang="zh-CN" altLang="en-US" dirty="0" smtClean="0"/>
+              <a:t>模块过于细化，并且包接口不够清晰，不能一目了然从大结构上了解工程的脉络</a:t>
+            </a:r>
+            <a:endParaRPr kumimoji="1" lang="en-US" altLang="zh-CN" dirty="0" smtClean="0"/>
+          </a:p>
+          <a:p>
+            <a:r>
+              <a:rPr kumimoji="1" lang="zh-CN" altLang="en-US" dirty="0" smtClean="0"/>
+              <a:t>代码结构层次过于深，通过接口一层层的深入，不方便掌控</a:t>
+            </a:r>
+            <a:endParaRPr kumimoji="1" lang="en-US" altLang="zh-CN" dirty="0" smtClean="0"/>
+          </a:p>
+          <a:p>
+            <a:r>
+              <a:rPr kumimoji="1" lang="zh-CN" altLang="en-US" dirty="0" smtClean="0"/>
+              <a:t>文件最终下载的线程数是</a:t>
+            </a:r>
+            <a:r>
+              <a:rPr kumimoji="1" lang="en-US" altLang="zh-CN" dirty="0" err="1" smtClean="0"/>
+              <a:t>Integer.Max</a:t>
+            </a:r>
+            <a:r>
+              <a:rPr kumimoji="1" lang="zh-CN" altLang="en-US" dirty="0" smtClean="0"/>
+              <a:t>，没有针对这块做配置或者最大数的控制，可能导致开过多线程和文件流</a:t>
+            </a:r>
+            <a:endParaRPr kumimoji="1" lang="en-US" altLang="zh-CN" dirty="0" smtClean="0"/>
+          </a:p>
+          <a:p>
+            <a:endParaRPr kumimoji="1" lang="zh-CN" altLang="en-US" dirty="0"/>
+          </a:p>
+        </p:txBody>
+      </p:sp>
+      <p:sp>
+        <p:nvSpPr>
+          <p:cNvPr id="4" name="文本框 3"/>
+          <p:cNvSpPr txBox="1"/>
+          <p:nvPr/>
+        </p:nvSpPr>
+        <p:spPr>
+          <a:xfrm>
+            <a:off x="3905026" y="1333948"/>
+            <a:ext cx="184731" cy="369332"/>
+          </a:xfrm>
+          <a:prstGeom prst="rect">
+            <a:avLst/>
+          </a:prstGeom>
+          <a:noFill/>
+        </p:spPr>
+        <p:txBody>
+          <a:bodyPr wrap="none" rtlCol="0">
+            <a:spAutoFit/>
+          </a:bodyPr>
+          <a:lstStyle/>
+          <a:p>
+            <a:endParaRPr kumimoji="1" lang="zh-CN" altLang="en-US" dirty="0"/>
+          </a:p>
+        </p:txBody>
+      </p:sp>
+    </p:spTree>
+    <p:extLst>
+      <p:ext uri="{BB962C8B-B14F-4D97-AF65-F5344CB8AC3E}">
+        <p14:creationId xmlns:p14="http://schemas.microsoft.com/office/powerpoint/2010/main" val="652334388"/>
+      </p:ext>
+    </p:extLst>
+  </p:cSld>
+  <p:clrMapOvr>
+    <a:masterClrMapping/>
+  </p:clrMapOvr>
+</p:sld>
+</file>
+
+<file path=ppt/slides/slide11.xml><?xml version="1.0" encoding="utf-8"?>
+<p:sld xmlns:a="http://schemas.openxmlformats.org/drawingml/2006/main" xmlns:r="http://schemas.openxmlformats.org/officeDocument/2006/relationships" xmlns:p="http://schemas.openxmlformats.org/presentationml/2006/main">
+  <p:cSld>
+    <p:spTree>
+      <p:nvGrpSpPr>
+        <p:cNvPr id="1" name=""/>
+        <p:cNvGrpSpPr/>
+        <p:nvPr/>
+      </p:nvGrpSpPr>
+      <p:grpSpPr>
+        <a:xfrm>
+          <a:off x="0" y="0"/>
+          <a:ext cx="0" cy="0"/>
+          <a:chOff x="0" y="0"/>
+          <a:chExt cx="0" cy="0"/>
+        </a:xfrm>
+      </p:grpSpPr>
+      <p:pic>
+        <p:nvPicPr>
+          <p:cNvPr id="4" name="图片 3"/>
+          <p:cNvPicPr>
+            <a:picLocks noChangeAspect="1"/>
+          </p:cNvPicPr>
+          <p:nvPr/>
+        </p:nvPicPr>
+        <p:blipFill>
+          <a:blip r:embed="rId2"/>
+          <a:stretch>
+            <a:fillRect/>
+          </a:stretch>
+        </p:blipFill>
+        <p:spPr>
+          <a:xfrm>
+            <a:off x="617729" y="770197"/>
+            <a:ext cx="6419048" cy="314286"/>
+          </a:xfrm>
+          <a:prstGeom prst="rect">
+            <a:avLst/>
+          </a:prstGeom>
+        </p:spPr>
+      </p:pic>
+      <p:pic>
+        <p:nvPicPr>
+          <p:cNvPr id="5" name="图片 4"/>
+          <p:cNvPicPr>
+            <a:picLocks noChangeAspect="1"/>
+          </p:cNvPicPr>
+          <p:nvPr/>
+        </p:nvPicPr>
+        <p:blipFill>
+          <a:blip r:embed="rId3"/>
+          <a:stretch>
+            <a:fillRect/>
+          </a:stretch>
+        </p:blipFill>
+        <p:spPr>
+          <a:xfrm>
+            <a:off x="617729" y="1281947"/>
+            <a:ext cx="7542857" cy="3276190"/>
+          </a:xfrm>
+          <a:prstGeom prst="rect">
+            <a:avLst/>
+          </a:prstGeom>
+        </p:spPr>
+      </p:pic>
+      <p:pic>
+        <p:nvPicPr>
+          <p:cNvPr id="6" name="图片 5"/>
+          <p:cNvPicPr>
+            <a:picLocks noChangeAspect="1"/>
+          </p:cNvPicPr>
+          <p:nvPr/>
+        </p:nvPicPr>
+        <p:blipFill>
+          <a:blip r:embed="rId4"/>
+          <a:stretch>
+            <a:fillRect/>
+          </a:stretch>
+        </p:blipFill>
+        <p:spPr>
+          <a:xfrm>
+            <a:off x="5960853" y="3038669"/>
+            <a:ext cx="5781661" cy="3805182"/>
+          </a:xfrm>
+          <a:prstGeom prst="rect">
+            <a:avLst/>
+          </a:prstGeom>
+        </p:spPr>
+      </p:pic>
+    </p:spTree>
+    <p:extLst>
+      <p:ext uri="{BB962C8B-B14F-4D97-AF65-F5344CB8AC3E}">
+        <p14:creationId xmlns:p14="http://schemas.microsoft.com/office/powerpoint/2010/main" val="431201368"/>
+      </p:ext>
+    </p:extLst>
+  </p:cSld>
+  <p:clrMapOvr>
+    <a:masterClrMapping/>
+  </p:clrMapOvr>
+</p:sld>
+</file>
+
+<file path=ppt/slides/slide12.xml><?xml version="1.0" encoding="utf-8"?>
+<p:sld xmlns:a="http://schemas.openxmlformats.org/drawingml/2006/main" xmlns:r="http://schemas.openxmlformats.org/officeDocument/2006/relationships" xmlns:p="http://schemas.openxmlformats.org/presentationml/2006/main">
+  <p:cSld>
+    <p:spTree>
+      <p:nvGrpSpPr>
+        <p:cNvPr id="1" name=""/>
+        <p:cNvGrpSpPr/>
+        <p:nvPr/>
+      </p:nvGrpSpPr>
+      <p:grpSpPr>
+        <a:xfrm>
+          <a:off x="0" y="0"/>
+          <a:ext cx="0" cy="0"/>
+          <a:chOff x="0" y="0"/>
+          <a:chExt cx="0" cy="0"/>
+        </a:xfrm>
+      </p:grpSpPr>
+      <p:sp>
+        <p:nvSpPr>
+          <p:cNvPr id="2" name="标题 1"/>
+          <p:cNvSpPr>
+            <a:spLocks noGrp="1"/>
+          </p:cNvSpPr>
+          <p:nvPr>
+            <p:ph type="title"/>
+          </p:nvPr>
+        </p:nvSpPr>
+        <p:spPr/>
+        <p:txBody>
+          <a:bodyPr/>
+          <a:lstStyle/>
+          <a:p>
+            <a:r>
+              <a:rPr kumimoji="1" lang="zh-CN" altLang="en-US" dirty="0" smtClean="0">
+                <a:latin typeface="Microsoft YaHei" charset="-122"/>
+                <a:ea typeface="Microsoft YaHei" charset="-122"/>
+                <a:cs typeface="Microsoft YaHei" charset="-122"/>
+              </a:rPr>
               <a:t>拓展</a:t>
             </a:r>
             <a:endParaRPr kumimoji="1" lang="zh-CN" altLang="en-US" dirty="0">
@@ -5304,15 +5543,18 @@
           <a:p>
             <a:r>
               <a:rPr kumimoji="1" lang="zh-CN" altLang="en-US" dirty="0" smtClean="0"/>
-              <a:t>可以通过配置文件或配置类来进行一些核心功能点的</a:t>
-            </a:r>
-            <a:r>
-              <a:rPr kumimoji="1" lang="zh-CN" altLang="en-US" smtClean="0"/>
-              <a:t>配置，扩展比较</a:t>
+              <a:t>可以通过配置文件或配置类来进行一些核心功能点的配置，扩展比较</a:t>
             </a:r>
             <a:r>
               <a:rPr kumimoji="1" lang="zh-CN" altLang="en-US" dirty="0" smtClean="0"/>
               <a:t>方便</a:t>
+            </a:r>
+            <a:endParaRPr kumimoji="1" lang="en-US" altLang="zh-CN" dirty="0" smtClean="0"/>
+          </a:p>
+          <a:p>
+            <a:r>
+              <a:rPr kumimoji="1" lang="zh-CN" altLang="en-US" dirty="0" smtClean="0"/>
+              <a:t>消息的传递是一亮点，尤其是跨进程的传递处理</a:t>
             </a:r>
             <a:endParaRPr kumimoji="1" lang="en-US" altLang="zh-CN" dirty="0" smtClean="0"/>
           </a:p>
@@ -5351,115 +5593,58 @@
           <a:chExt cx="0" cy="0"/>
         </a:xfrm>
       </p:grpSpPr>
-      <p:sp>
-        <p:nvSpPr>
-          <p:cNvPr id="2" name="标题 1"/>
-          <p:cNvSpPr>
-            <a:spLocks noGrp="1"/>
-          </p:cNvSpPr>
-          <p:nvPr>
-            <p:ph type="title"/>
-          </p:nvPr>
-        </p:nvSpPr>
-        <p:spPr/>
-        <p:txBody>
-          <a:bodyPr/>
-          <a:lstStyle/>
-          <a:p>
-            <a:r>
-              <a:rPr kumimoji="1" lang="zh-CN" altLang="en-US" dirty="0" smtClean="0">
-                <a:latin typeface="Microsoft YaHei" charset="-122"/>
-                <a:ea typeface="Microsoft YaHei" charset="-122"/>
-                <a:cs typeface="Microsoft YaHei" charset="-122"/>
-              </a:rPr>
-              <a:t>不足</a:t>
-            </a:r>
-            <a:endParaRPr kumimoji="1" lang="zh-CN" altLang="en-US" dirty="0">
-              <a:latin typeface="Microsoft YaHei" charset="-122"/>
-              <a:ea typeface="Microsoft YaHei" charset="-122"/>
-              <a:cs typeface="Microsoft YaHei" charset="-122"/>
-            </a:endParaRPr>
-          </a:p>
-        </p:txBody>
-      </p:sp>
-      <p:sp>
-        <p:nvSpPr>
-          <p:cNvPr id="3" name="内容占位符 2"/>
-          <p:cNvSpPr>
-            <a:spLocks noGrp="1"/>
-          </p:cNvSpPr>
-          <p:nvPr>
-            <p:ph idx="1"/>
-          </p:nvPr>
-        </p:nvSpPr>
-        <p:spPr/>
-        <p:txBody>
-          <a:bodyPr/>
-          <a:lstStyle/>
-          <a:p>
-            <a:r>
-              <a:rPr kumimoji="1" lang="zh-CN" altLang="en-US" dirty="0" smtClean="0"/>
-              <a:t>模块过于细化，并且包接口不够清晰，不能一目了然从大结构上了解工程的脉络</a:t>
-            </a:r>
-            <a:endParaRPr kumimoji="1" lang="en-US" altLang="zh-CN" dirty="0" smtClean="0"/>
-          </a:p>
-          <a:p>
-            <a:r>
-              <a:rPr kumimoji="1" lang="zh-CN" altLang="en-US" dirty="0" smtClean="0"/>
-              <a:t>代码结构层次过于深，通过接口一层层的深入，不方便掌控</a:t>
-            </a:r>
-            <a:endParaRPr kumimoji="1" lang="en-US" altLang="zh-CN" dirty="0" smtClean="0"/>
-          </a:p>
-          <a:p>
-            <a:r>
-              <a:rPr kumimoji="1" lang="zh-CN" altLang="en-US" dirty="0" smtClean="0"/>
-              <a:t>文件最终下载的线程数是</a:t>
-            </a:r>
-            <a:r>
-              <a:rPr kumimoji="1" lang="en-US" altLang="zh-CN" dirty="0" err="1" smtClean="0"/>
-              <a:t>Integer.Max</a:t>
-            </a:r>
-            <a:r>
-              <a:rPr kumimoji="1" lang="zh-CN" altLang="en-US" dirty="0" smtClean="0"/>
-              <a:t>，没有针对这块做配置或者最大数的控制，可能导致开过多线程和文件流</a:t>
-            </a:r>
-            <a:endParaRPr kumimoji="1" lang="en-US" altLang="zh-CN" dirty="0" smtClean="0"/>
-          </a:p>
-          <a:p>
-            <a:endParaRPr kumimoji="1" lang="zh-CN" altLang="en-US" dirty="0"/>
-          </a:p>
-        </p:txBody>
-      </p:sp>
-      <p:sp>
-        <p:nvSpPr>
-          <p:cNvPr id="4" name="文本框 3"/>
-          <p:cNvSpPr txBox="1"/>
+      <p:pic>
+        <p:nvPicPr>
+          <p:cNvPr id="4" name="图片 3"/>
+          <p:cNvPicPr>
+            <a:picLocks noChangeAspect="1"/>
+          </p:cNvPicPr>
           <p:nvPr/>
-        </p:nvSpPr>
+        </p:nvPicPr>
+        <p:blipFill>
+          <a:blip r:embed="rId2"/>
+          <a:stretch>
+            <a:fillRect/>
+          </a:stretch>
+        </p:blipFill>
         <p:spPr>
           <a:xfrm>
-            <a:off x="3905026" y="1333948"/>
-            <a:ext cx="184731" cy="369332"/>
+            <a:off x="624804" y="710751"/>
+            <a:ext cx="8923809" cy="2400000"/>
           </a:xfrm>
           <a:prstGeom prst="rect">
             <a:avLst/>
           </a:prstGeom>
-          <a:noFill/>
         </p:spPr>
-        <p:txBody>
-          <a:bodyPr wrap="none" rtlCol="0">
-            <a:spAutoFit/>
-          </a:bodyPr>
-          <a:lstStyle/>
-          <a:p>
-            <a:endParaRPr kumimoji="1" lang="zh-CN" altLang="en-US" dirty="0"/>
-          </a:p>
-        </p:txBody>
-      </p:sp>
+      </p:pic>
+      <p:pic>
+        <p:nvPicPr>
+          <p:cNvPr id="6" name="图片 5"/>
+          <p:cNvPicPr>
+            <a:picLocks noChangeAspect="1"/>
+          </p:cNvPicPr>
+          <p:nvPr/>
+        </p:nvPicPr>
+        <p:blipFill>
+          <a:blip r:embed="rId3"/>
+          <a:stretch>
+            <a:fillRect/>
+          </a:stretch>
+        </p:blipFill>
+        <p:spPr>
+          <a:xfrm>
+            <a:off x="532461" y="3295215"/>
+            <a:ext cx="9419048" cy="3114286"/>
+          </a:xfrm>
+          <a:prstGeom prst="rect">
+            <a:avLst/>
+          </a:prstGeom>
+        </p:spPr>
+      </p:pic>
     </p:spTree>
     <p:extLst>
       <p:ext uri="{BB962C8B-B14F-4D97-AF65-F5344CB8AC3E}">
-        <p14:creationId xmlns:p14="http://schemas.microsoft.com/office/powerpoint/2010/main" val="652334388"/>
+        <p14:creationId xmlns:p14="http://schemas.microsoft.com/office/powerpoint/2010/main" val="2102568043"/>
       </p:ext>
     </p:extLst>
   </p:cSld>
@@ -5502,56 +5687,8 @@
         </p:blipFill>
         <p:spPr>
           <a:xfrm>
-            <a:off x="617729" y="770197"/>
-            <a:ext cx="6419048" cy="314286"/>
-          </a:xfrm>
-          <a:prstGeom prst="rect">
-            <a:avLst/>
-          </a:prstGeom>
-        </p:spPr>
-      </p:pic>
-      <p:pic>
-        <p:nvPicPr>
-          <p:cNvPr id="5" name="图片 4"/>
-          <p:cNvPicPr>
-            <a:picLocks noChangeAspect="1"/>
-          </p:cNvPicPr>
-          <p:nvPr/>
-        </p:nvPicPr>
-        <p:blipFill>
-          <a:blip r:embed="rId3"/>
-          <a:stretch>
-            <a:fillRect/>
-          </a:stretch>
-        </p:blipFill>
-        <p:spPr>
-          <a:xfrm>
-            <a:off x="617729" y="1281947"/>
-            <a:ext cx="7542857" cy="3276190"/>
-          </a:xfrm>
-          <a:prstGeom prst="rect">
-            <a:avLst/>
-          </a:prstGeom>
-        </p:spPr>
-      </p:pic>
-      <p:pic>
-        <p:nvPicPr>
-          <p:cNvPr id="6" name="图片 5"/>
-          <p:cNvPicPr>
-            <a:picLocks noChangeAspect="1"/>
-          </p:cNvPicPr>
-          <p:nvPr/>
-        </p:nvPicPr>
-        <p:blipFill>
-          <a:blip r:embed="rId4"/>
-          <a:stretch>
-            <a:fillRect/>
-          </a:stretch>
-        </p:blipFill>
-        <p:spPr>
-          <a:xfrm>
-            <a:off x="5960853" y="3038669"/>
-            <a:ext cx="5781661" cy="3805182"/>
+            <a:off x="612475" y="653802"/>
+            <a:ext cx="11056167" cy="1614945"/>
           </a:xfrm>
           <a:prstGeom prst="rect">
             <a:avLst/>
@@ -5561,7 +5698,7 @@
     </p:spTree>
     <p:extLst>
       <p:ext uri="{BB962C8B-B14F-4D97-AF65-F5344CB8AC3E}">
-        <p14:creationId xmlns:p14="http://schemas.microsoft.com/office/powerpoint/2010/main" val="431201368"/>
+        <p14:creationId xmlns:p14="http://schemas.microsoft.com/office/powerpoint/2010/main" val="85193777"/>
       </p:ext>
     </p:extLst>
   </p:cSld>

--- a/FileDownloader.pptx
+++ b/FileDownloader.pptx
@@ -5410,22 +5410,104 @@
           <a:p>
             <a:r>
               <a:rPr kumimoji="1" lang="en-US" altLang="zh-CN" dirty="0" smtClean="0"/>
-              <a:t>Creator</a:t>
-            </a:r>
-          </a:p>
-          <a:p>
+              <a:t>Creator </a:t>
+            </a:r>
             <a:r>
               <a:rPr kumimoji="1" lang="zh-CN" altLang="en-US" dirty="0" smtClean="0"/>
-              <a:t>责任链模式</a:t>
+              <a:t>（</a:t>
+            </a:r>
+            <a:r>
+              <a:rPr kumimoji="1" lang="en-US" altLang="zh-CN" dirty="0"/>
+              <a:t> </a:t>
+            </a:r>
+            <a:r>
+              <a:rPr kumimoji="1" lang="en-US" altLang="zh-CN" dirty="0" err="1"/>
+              <a:t>FileDownloadUrlConnection</a:t>
+            </a:r>
+            <a:r>
+              <a:rPr kumimoji="1" lang="en-US" altLang="zh-CN" dirty="0"/>
+              <a:t> </a:t>
+            </a:r>
+            <a:r>
+              <a:rPr kumimoji="1" lang="zh-CN" altLang="en-US" dirty="0" smtClean="0"/>
+              <a:t>）</a:t>
             </a:r>
             <a:endParaRPr kumimoji="1" lang="en-US" altLang="zh-CN" dirty="0" smtClean="0"/>
           </a:p>
           <a:p>
             <a:r>
+              <a:rPr kumimoji="1" lang="zh-CN" altLang="en-US" dirty="0"/>
+              <a:t>代理</a:t>
+            </a:r>
+            <a:r>
               <a:rPr kumimoji="1" lang="zh-CN" altLang="en-US" dirty="0" smtClean="0"/>
-              <a:t>命令模式</a:t>
+              <a:t>模式 （</a:t>
+            </a:r>
+            <a:r>
+              <a:rPr lang="en-US" altLang="zh-CN" dirty="0"/>
+              <a:t> </a:t>
+            </a:r>
+            <a:r>
+              <a:rPr lang="en-US" altLang="zh-CN" dirty="0" err="1"/>
+              <a:t>FileDownloadServiceProxy</a:t>
+            </a:r>
+            <a:r>
+              <a:rPr lang="en-US" altLang="zh-CN" dirty="0"/>
+              <a:t> </a:t>
+            </a:r>
+            <a:r>
+              <a:rPr kumimoji="1" lang="zh-CN" altLang="en-US" dirty="0" smtClean="0"/>
+              <a:t>）</a:t>
+            </a:r>
+            <a:endParaRPr kumimoji="1" lang="en-US" altLang="zh-CN" dirty="0" smtClean="0"/>
+          </a:p>
+          <a:p>
+            <a:r>
+              <a:rPr kumimoji="1" lang="zh-CN" altLang="en-US" dirty="0" smtClean="0"/>
+              <a:t>命令</a:t>
+            </a:r>
+            <a:r>
+              <a:rPr kumimoji="1" lang="zh-CN" altLang="en-US" dirty="0" smtClean="0"/>
+              <a:t>模式 </a:t>
+            </a:r>
+            <a:r>
+              <a:rPr kumimoji="1" lang="en-US" altLang="zh-CN" dirty="0"/>
+              <a:t>(</a:t>
+            </a:r>
+            <a:r>
+              <a:rPr kumimoji="1" lang="en-US" altLang="zh-CN" dirty="0" err="1"/>
+              <a:t>MessageSnapshotFlow</a:t>
+            </a:r>
+            <a:r>
+              <a:rPr kumimoji="1" lang="en-US" altLang="zh-CN" dirty="0"/>
+              <a:t>)</a:t>
             </a:r>
             <a:endParaRPr kumimoji="1" lang="zh-CN" altLang="en-US" dirty="0"/>
+          </a:p>
+        </p:txBody>
+      </p:sp>
+      <p:sp>
+        <p:nvSpPr>
+          <p:cNvPr id="6" name="矩形 5"/>
+          <p:cNvSpPr/>
+          <p:nvPr/>
+        </p:nvSpPr>
+        <p:spPr>
+          <a:xfrm>
+            <a:off x="4572057" y="3244334"/>
+            <a:ext cx="184731" cy="369332"/>
+          </a:xfrm>
+          <a:prstGeom prst="rect">
+            <a:avLst/>
+          </a:prstGeom>
+        </p:spPr>
+        <p:txBody>
+          <a:bodyPr wrap="none">
+            <a:spAutoFit/>
+          </a:bodyPr>
+          <a:lstStyle/>
+          <a:p>
+            <a:endParaRPr lang="zh-CN" altLang="en-US" dirty="0"/>
           </a:p>
         </p:txBody>
       </p:sp>
@@ -5543,11 +5625,7 @@
           <a:p>
             <a:r>
               <a:rPr kumimoji="1" lang="zh-CN" altLang="en-US" dirty="0" smtClean="0"/>
-              <a:t>可以通过配置文件或配置类来进行一些核心功能点的配置，扩展比较</a:t>
-            </a:r>
-            <a:r>
-              <a:rPr kumimoji="1" lang="zh-CN" altLang="en-US" dirty="0" smtClean="0"/>
-              <a:t>方便</a:t>
+              <a:t>可以通过配置文件或配置类来进行一些核心功能点的配置，扩展比较方便</a:t>
             </a:r>
             <a:endParaRPr kumimoji="1" lang="en-US" altLang="zh-CN" dirty="0" smtClean="0"/>
           </a:p>

--- a/FileDownloader.pptx
+++ b/FileDownloader.pptx
@@ -6,17 +6,18 @@
   </p:sldMasterIdLst>
   <p:sldIdLst>
     <p:sldId id="256" r:id="rId2"/>
-    <p:sldId id="257" r:id="rId3"/>
-    <p:sldId id="264" r:id="rId4"/>
-    <p:sldId id="263" r:id="rId5"/>
-    <p:sldId id="258" r:id="rId6"/>
-    <p:sldId id="259" r:id="rId7"/>
-    <p:sldId id="260" r:id="rId8"/>
-    <p:sldId id="266" r:id="rId9"/>
-    <p:sldId id="267" r:id="rId10"/>
-    <p:sldId id="261" r:id="rId11"/>
-    <p:sldId id="265" r:id="rId12"/>
-    <p:sldId id="262" r:id="rId13"/>
+    <p:sldId id="268" r:id="rId3"/>
+    <p:sldId id="257" r:id="rId4"/>
+    <p:sldId id="264" r:id="rId5"/>
+    <p:sldId id="263" r:id="rId6"/>
+    <p:sldId id="258" r:id="rId7"/>
+    <p:sldId id="259" r:id="rId8"/>
+    <p:sldId id="260" r:id="rId9"/>
+    <p:sldId id="266" r:id="rId10"/>
+    <p:sldId id="267" r:id="rId11"/>
+    <p:sldId id="261" r:id="rId12"/>
+    <p:sldId id="265" r:id="rId13"/>
+    <p:sldId id="262" r:id="rId14"/>
   </p:sldIdLst>
   <p:sldSz cx="12192000" cy="6858000"/>
   <p:notesSz cx="6858000" cy="9144000"/>
@@ -4563,6 +4564,60 @@
           <a:chExt cx="0" cy="0"/>
         </a:xfrm>
       </p:grpSpPr>
+      <p:pic>
+        <p:nvPicPr>
+          <p:cNvPr id="4" name="图片 3"/>
+          <p:cNvPicPr>
+            <a:picLocks noChangeAspect="1"/>
+          </p:cNvPicPr>
+          <p:nvPr/>
+        </p:nvPicPr>
+        <p:blipFill>
+          <a:blip r:embed="rId2"/>
+          <a:stretch>
+            <a:fillRect/>
+          </a:stretch>
+        </p:blipFill>
+        <p:spPr>
+          <a:xfrm>
+            <a:off x="612475" y="653802"/>
+            <a:ext cx="11056167" cy="1614945"/>
+          </a:xfrm>
+          <a:prstGeom prst="rect">
+            <a:avLst/>
+          </a:prstGeom>
+        </p:spPr>
+      </p:pic>
+    </p:spTree>
+    <p:extLst>
+      <p:ext uri="{BB962C8B-B14F-4D97-AF65-F5344CB8AC3E}">
+        <p14:creationId xmlns:p14="http://schemas.microsoft.com/office/powerpoint/2010/main" val="85193777"/>
+      </p:ext>
+    </p:extLst>
+  </p:cSld>
+  <p:clrMapOvr>
+    <a:masterClrMapping/>
+  </p:clrMapOvr>
+</p:sld>
+</file>
+
+<file path=ppt/slides/slide11.xml><?xml version="1.0" encoding="utf-8"?>
+<p:sld xmlns:a="http://schemas.openxmlformats.org/drawingml/2006/main" xmlns:r="http://schemas.openxmlformats.org/officeDocument/2006/relationships" xmlns:p="http://schemas.openxmlformats.org/presentationml/2006/main">
+  <p:cSld>
+    <p:spTree>
+      <p:nvGrpSpPr>
+        <p:cNvPr id="1" name=""/>
+        <p:cNvGrpSpPr/>
+        <p:nvPr/>
+      </p:nvGrpSpPr>
+      <p:grpSpPr>
+        <a:xfrm>
+          <a:off x="0" y="0"/>
+          <a:ext cx="0" cy="0"/>
+          <a:chOff x="0" y="0"/>
+          <a:chExt cx="0" cy="0"/>
+        </a:xfrm>
+      </p:grpSpPr>
       <p:sp>
         <p:nvSpPr>
           <p:cNvPr id="2" name="标题 1"/>
@@ -4681,7 +4736,7 @@
 </p:sld>
 </file>
 
-<file path=ppt/slides/slide11.xml><?xml version="1.0" encoding="utf-8"?>
+<file path=ppt/slides/slide12.xml><?xml version="1.0" encoding="utf-8"?>
 <p:sld xmlns:a="http://schemas.openxmlformats.org/drawingml/2006/main" xmlns:r="http://schemas.openxmlformats.org/officeDocument/2006/relationships" xmlns:p="http://schemas.openxmlformats.org/presentationml/2006/main">
   <p:cSld>
     <p:spTree>
@@ -4783,7 +4838,7 @@
 </p:sld>
 </file>
 
-<file path=ppt/slides/slide12.xml><?xml version="1.0" encoding="utf-8"?>
+<file path=ppt/slides/slide13.xml><?xml version="1.0" encoding="utf-8"?>
 <p:sld xmlns:a="http://schemas.openxmlformats.org/drawingml/2006/main" xmlns:r="http://schemas.openxmlformats.org/officeDocument/2006/relationships" xmlns:p="http://schemas.openxmlformats.org/presentationml/2006/main">
   <p:cSld>
     <p:spTree>
@@ -4956,6 +5011,142 @@
 </file>
 
 <file path=ppt/slides/slide2.xml><?xml version="1.0" encoding="utf-8"?>
+<p:sld xmlns:a="http://schemas.openxmlformats.org/drawingml/2006/main" xmlns:r="http://schemas.openxmlformats.org/officeDocument/2006/relationships" xmlns:p="http://schemas.openxmlformats.org/presentationml/2006/main">
+  <p:cSld>
+    <p:spTree>
+      <p:nvGrpSpPr>
+        <p:cNvPr id="1" name=""/>
+        <p:cNvGrpSpPr/>
+        <p:nvPr/>
+      </p:nvGrpSpPr>
+      <p:grpSpPr>
+        <a:xfrm>
+          <a:off x="0" y="0"/>
+          <a:ext cx="0" cy="0"/>
+          <a:chOff x="0" y="0"/>
+          <a:chExt cx="0" cy="0"/>
+        </a:xfrm>
+      </p:grpSpPr>
+      <p:sp>
+        <p:nvSpPr>
+          <p:cNvPr id="2" name="标题 1"/>
+          <p:cNvSpPr>
+            <a:spLocks noGrp="1"/>
+          </p:cNvSpPr>
+          <p:nvPr>
+            <p:ph type="title"/>
+          </p:nvPr>
+        </p:nvSpPr>
+        <p:spPr/>
+        <p:txBody>
+          <a:bodyPr/>
+          <a:lstStyle/>
+          <a:p>
+            <a:r>
+              <a:rPr lang="zh-CN" altLang="en-US" dirty="0" smtClean="0"/>
+              <a:t>如何写一个文件下载器</a:t>
+            </a:r>
+            <a:endParaRPr lang="zh-CN" altLang="en-US" dirty="0"/>
+          </a:p>
+        </p:txBody>
+      </p:sp>
+      <p:sp>
+        <p:nvSpPr>
+          <p:cNvPr id="3" name="内容占位符 2"/>
+          <p:cNvSpPr>
+            <a:spLocks noGrp="1"/>
+          </p:cNvSpPr>
+          <p:nvPr>
+            <p:ph idx="1"/>
+          </p:nvPr>
+        </p:nvSpPr>
+        <p:spPr/>
+        <p:txBody>
+          <a:bodyPr/>
+          <a:lstStyle/>
+          <a:p>
+            <a:r>
+              <a:rPr lang="zh-CN" altLang="en-US" dirty="0" smtClean="0"/>
+              <a:t> </a:t>
+            </a:r>
+            <a:r>
+              <a:rPr lang="en-US" altLang="zh-CN" dirty="0" err="1" smtClean="0"/>
+              <a:t>URLConnection</a:t>
+            </a:r>
+            <a:r>
+              <a:rPr lang="zh-CN" altLang="en-US" dirty="0" smtClean="0"/>
+              <a:t>访问网络</a:t>
+            </a:r>
+            <a:endParaRPr lang="en-US" altLang="zh-CN" dirty="0" smtClean="0"/>
+          </a:p>
+          <a:p>
+            <a:r>
+              <a:rPr lang="zh-CN" altLang="en-US" dirty="0" smtClean="0"/>
+              <a:t>线程池 多线程下载</a:t>
+            </a:r>
+            <a:endParaRPr lang="en-US" altLang="zh-CN" dirty="0" smtClean="0"/>
+          </a:p>
+          <a:p>
+            <a:r>
+              <a:rPr lang="en-US" altLang="zh-CN" dirty="0" smtClean="0"/>
+              <a:t>Range</a:t>
+            </a:r>
+            <a:r>
+              <a:rPr lang="zh-CN" altLang="en-US" dirty="0" smtClean="0"/>
+              <a:t>，</a:t>
+            </a:r>
+            <a:r>
+              <a:rPr lang="en-US" altLang="zh-CN" dirty="0" err="1" smtClean="0"/>
+              <a:t>RandomAcessFile</a:t>
+            </a:r>
+            <a:r>
+              <a:rPr lang="en-US" altLang="zh-CN" dirty="0" smtClean="0"/>
+              <a:t>  </a:t>
+            </a:r>
+            <a:r>
+              <a:rPr lang="zh-CN" altLang="en-US" dirty="0" smtClean="0"/>
+              <a:t>可随机获取和读写</a:t>
+            </a:r>
+            <a:endParaRPr lang="en-US" altLang="zh-CN" dirty="0" smtClean="0"/>
+          </a:p>
+          <a:p>
+            <a:r>
+              <a:rPr lang="zh-CN" altLang="en-US" dirty="0" smtClean="0"/>
+              <a:t>数据库保存下载进度和状态</a:t>
+            </a:r>
+            <a:endParaRPr lang="en-US" altLang="zh-CN" dirty="0" smtClean="0"/>
+          </a:p>
+          <a:p>
+            <a:r>
+              <a:rPr lang="zh-CN" altLang="en-US" dirty="0" smtClean="0"/>
+              <a:t>状态回调 通知</a:t>
+            </a:r>
+            <a:r>
+              <a:rPr lang="en-US" altLang="zh-CN" dirty="0" smtClean="0"/>
+              <a:t>UI</a:t>
+            </a:r>
+            <a:r>
+              <a:rPr lang="zh-CN" altLang="en-US" dirty="0" smtClean="0"/>
+              <a:t>层状态变化和下载进度</a:t>
+            </a:r>
+            <a:endParaRPr lang="en-US" altLang="zh-CN" dirty="0" smtClean="0"/>
+          </a:p>
+        </p:txBody>
+      </p:sp>
+    </p:spTree>
+    <p:extLst>
+      <p:ext uri="{BB962C8B-B14F-4D97-AF65-F5344CB8AC3E}">
+        <p14:creationId xmlns:p14="http://schemas.microsoft.com/office/powerpoint/2010/main" val="243996367"/>
+      </p:ext>
+    </p:extLst>
+  </p:cSld>
+  <p:clrMapOvr>
+    <a:masterClrMapping/>
+  </p:clrMapOvr>
+</p:sld>
+</file>
+
+<file path=ppt/slides/slide3.xml><?xml version="1.0" encoding="utf-8"?>
 <p:sld xmlns:a="http://schemas.openxmlformats.org/drawingml/2006/main" xmlns:r="http://schemas.openxmlformats.org/officeDocument/2006/relationships" xmlns:p="http://schemas.openxmlformats.org/presentationml/2006/main">
   <p:cSld>
     <p:spTree>
@@ -5046,7 +5237,7 @@
 </p:sld>
 </file>
 
-<file path=ppt/slides/slide3.xml><?xml version="1.0" encoding="utf-8"?>
+<file path=ppt/slides/slide4.xml><?xml version="1.0" encoding="utf-8"?>
 <p:sld xmlns:a="http://schemas.openxmlformats.org/drawingml/2006/main" xmlns:r="http://schemas.openxmlformats.org/officeDocument/2006/relationships" xmlns:p="http://schemas.openxmlformats.org/presentationml/2006/main">
   <p:cSld>
     <p:spTree>
@@ -5102,7 +5293,7 @@
 </p:sld>
 </file>
 
-<file path=ppt/slides/slide4.xml><?xml version="1.0" encoding="utf-8"?>
+<file path=ppt/slides/slide5.xml><?xml version="1.0" encoding="utf-8"?>
 <p:sld xmlns:a="http://schemas.openxmlformats.org/drawingml/2006/main" xmlns:r="http://schemas.openxmlformats.org/officeDocument/2006/relationships" xmlns:p="http://schemas.openxmlformats.org/presentationml/2006/main">
   <p:cSld>
     <p:spTree>
@@ -5180,153 +5371,6 @@
 </p:sld>
 </file>
 
-<file path=ppt/slides/slide5.xml><?xml version="1.0" encoding="utf-8"?>
-<p:sld xmlns:a="http://schemas.openxmlformats.org/drawingml/2006/main" xmlns:r="http://schemas.openxmlformats.org/officeDocument/2006/relationships" xmlns:p="http://schemas.openxmlformats.org/presentationml/2006/main">
-  <p:cSld>
-    <p:spTree>
-      <p:nvGrpSpPr>
-        <p:cNvPr id="1" name=""/>
-        <p:cNvGrpSpPr/>
-        <p:nvPr/>
-      </p:nvGrpSpPr>
-      <p:grpSpPr>
-        <a:xfrm>
-          <a:off x="0" y="0"/>
-          <a:ext cx="0" cy="0"/>
-          <a:chOff x="0" y="0"/>
-          <a:chExt cx="0" cy="0"/>
-        </a:xfrm>
-      </p:grpSpPr>
-      <p:sp>
-        <p:nvSpPr>
-          <p:cNvPr id="2" name="标题 1"/>
-          <p:cNvSpPr>
-            <a:spLocks noGrp="1"/>
-          </p:cNvSpPr>
-          <p:nvPr>
-            <p:ph type="title"/>
-          </p:nvPr>
-        </p:nvSpPr>
-        <p:spPr/>
-        <p:txBody>
-          <a:bodyPr/>
-          <a:lstStyle/>
-          <a:p>
-            <a:r>
-              <a:rPr kumimoji="1" lang="zh-CN" altLang="en-US" dirty="0" smtClean="0">
-                <a:latin typeface="Microsoft YaHei" charset="-122"/>
-                <a:ea typeface="Microsoft YaHei" charset="-122"/>
-                <a:cs typeface="Microsoft YaHei" charset="-122"/>
-              </a:rPr>
-              <a:t>核心思想</a:t>
-            </a:r>
-            <a:endParaRPr kumimoji="1" lang="zh-CN" altLang="en-US" dirty="0">
-              <a:latin typeface="Microsoft YaHei" charset="-122"/>
-              <a:ea typeface="Microsoft YaHei" charset="-122"/>
-              <a:cs typeface="Microsoft YaHei" charset="-122"/>
-            </a:endParaRPr>
-          </a:p>
-        </p:txBody>
-      </p:sp>
-      <p:sp>
-        <p:nvSpPr>
-          <p:cNvPr id="3" name="内容占位符 2"/>
-          <p:cNvSpPr>
-            <a:spLocks noGrp="1"/>
-          </p:cNvSpPr>
-          <p:nvPr>
-            <p:ph idx="1"/>
-          </p:nvPr>
-        </p:nvSpPr>
-        <p:spPr/>
-        <p:txBody>
-          <a:bodyPr/>
-          <a:lstStyle/>
-          <a:p>
-            <a:r>
-              <a:rPr kumimoji="1" lang="zh-CN" altLang="en-US" dirty="0" smtClean="0"/>
-              <a:t>一个下载作为一个</a:t>
-            </a:r>
-            <a:r>
-              <a:rPr kumimoji="1" lang="en-US" altLang="zh-CN" dirty="0" smtClean="0"/>
-              <a:t>Task</a:t>
-            </a:r>
-          </a:p>
-          <a:p>
-            <a:r>
-              <a:rPr kumimoji="1" lang="zh-CN" altLang="en-US" dirty="0" smtClean="0"/>
-              <a:t>多个</a:t>
-            </a:r>
-            <a:r>
-              <a:rPr kumimoji="1" lang="en-US" altLang="zh-CN" dirty="0" smtClean="0"/>
-              <a:t>Task</a:t>
-            </a:r>
-            <a:r>
-              <a:rPr kumimoji="1" lang="zh-CN" altLang="en-US" dirty="0" smtClean="0"/>
-              <a:t>放到</a:t>
-            </a:r>
-            <a:r>
-              <a:rPr kumimoji="1" lang="en-US" altLang="zh-CN" dirty="0" smtClean="0"/>
-              <a:t>List</a:t>
-            </a:r>
-            <a:r>
-              <a:rPr kumimoji="1" lang="zh-CN" altLang="en-US" dirty="0" smtClean="0"/>
-              <a:t>中，并发下载或者线性下载；</a:t>
-            </a:r>
-            <a:endParaRPr kumimoji="1" lang="en-US" altLang="zh-CN" dirty="0" smtClean="0"/>
-          </a:p>
-          <a:p>
-            <a:r>
-              <a:rPr kumimoji="1" lang="zh-CN" altLang="en-US" dirty="0" smtClean="0"/>
-              <a:t>每个</a:t>
-            </a:r>
-            <a:r>
-              <a:rPr kumimoji="1" lang="en-US" altLang="zh-CN" dirty="0" smtClean="0"/>
-              <a:t>Task</a:t>
-            </a:r>
-            <a:r>
-              <a:rPr kumimoji="1" lang="zh-CN" altLang="en-US" dirty="0" smtClean="0"/>
-              <a:t>单独维护自己的一套下载逻辑</a:t>
-            </a:r>
-            <a:endParaRPr kumimoji="1" lang="en-US" altLang="zh-CN" dirty="0" smtClean="0"/>
-          </a:p>
-          <a:p>
-            <a:r>
-              <a:rPr kumimoji="1" lang="zh-CN" altLang="en-US" dirty="0" smtClean="0"/>
-              <a:t>模块拆分细</a:t>
-            </a:r>
-            <a:endParaRPr kumimoji="1" lang="en-US" altLang="zh-CN" dirty="0" smtClean="0"/>
-          </a:p>
-          <a:p>
-            <a:r>
-              <a:rPr kumimoji="1" lang="zh-CN" altLang="en-US" dirty="0" smtClean="0"/>
-              <a:t>通过</a:t>
-            </a:r>
-            <a:r>
-              <a:rPr kumimoji="1" lang="en-US" altLang="zh-CN" dirty="0" smtClean="0"/>
-              <a:t>profile</a:t>
-            </a:r>
-            <a:r>
-              <a:rPr kumimoji="1" lang="zh-CN" altLang="en-US" dirty="0" smtClean="0"/>
-              <a:t>灵活配置</a:t>
-            </a:r>
-            <a:endParaRPr kumimoji="1" lang="zh-CN" altLang="en-US" dirty="0"/>
-          </a:p>
-        </p:txBody>
-      </p:sp>
-    </p:spTree>
-    <p:extLst>
-      <p:ext uri="{BB962C8B-B14F-4D97-AF65-F5344CB8AC3E}">
-        <p14:creationId xmlns:p14="http://schemas.microsoft.com/office/powerpoint/2010/main" val="1337997111"/>
-      </p:ext>
-    </p:extLst>
-  </p:cSld>
-  <p:clrMapOvr>
-    <a:masterClrMapping/>
-  </p:clrMapOvr>
-</p:sld>
-</file>
-
 <file path=ppt/slides/slide6.xml><?xml version="1.0" encoding="utf-8"?>
 <p:sld xmlns:a="http://schemas.openxmlformats.org/drawingml/2006/main" xmlns:r="http://schemas.openxmlformats.org/officeDocument/2006/relationships" xmlns:p="http://schemas.openxmlformats.org/presentationml/2006/main">
   <p:cSld>
@@ -5365,7 +5409,7 @@
                 <a:ea typeface="Microsoft YaHei" charset="-122"/>
                 <a:cs typeface="Microsoft YaHei" charset="-122"/>
               </a:rPr>
-              <a:t>设计模式</a:t>
+              <a:t>核心思想</a:t>
             </a:r>
             <a:endParaRPr kumimoji="1" lang="zh-CN" altLang="en-US" dirty="0">
               <a:latin typeface="Microsoft YaHei" charset="-122"/>
@@ -5392,129 +5436,79 @@
           <a:p>
             <a:r>
               <a:rPr kumimoji="1" lang="zh-CN" altLang="en-US" dirty="0" smtClean="0"/>
-              <a:t>单例（到处是单例）</a:t>
+              <a:t>一个下载作为一个</a:t>
+            </a:r>
+            <a:r>
+              <a:rPr kumimoji="1" lang="en-US" altLang="zh-CN" dirty="0" smtClean="0"/>
+              <a:t>Task</a:t>
+            </a:r>
+          </a:p>
+          <a:p>
+            <a:r>
+              <a:rPr kumimoji="1" lang="zh-CN" altLang="en-US" dirty="0" smtClean="0"/>
+              <a:t>多个</a:t>
+            </a:r>
+            <a:r>
+              <a:rPr kumimoji="1" lang="en-US" altLang="zh-CN" dirty="0" smtClean="0"/>
+              <a:t>Task</a:t>
+            </a:r>
+            <a:r>
+              <a:rPr kumimoji="1" lang="zh-CN" altLang="en-US" dirty="0" smtClean="0"/>
+              <a:t>放到</a:t>
+            </a:r>
+            <a:r>
+              <a:rPr kumimoji="1" lang="en-US" altLang="zh-CN" dirty="0" smtClean="0"/>
+              <a:t>List</a:t>
+            </a:r>
+            <a:r>
+              <a:rPr kumimoji="1" lang="zh-CN" altLang="en-US" dirty="0" smtClean="0"/>
+              <a:t>中，并发下载或者线性下载；</a:t>
             </a:r>
             <a:endParaRPr kumimoji="1" lang="en-US" altLang="zh-CN" dirty="0" smtClean="0"/>
           </a:p>
           <a:p>
             <a:r>
+              <a:rPr kumimoji="1" lang="zh-CN" altLang="en-US" dirty="0" smtClean="0"/>
+              <a:t>每个</a:t>
+            </a:r>
+            <a:r>
               <a:rPr kumimoji="1" lang="en-US" altLang="zh-CN" dirty="0" smtClean="0"/>
-              <a:t>Builder</a:t>
+              <a:t>Task</a:t>
             </a:r>
             <a:r>
               <a:rPr kumimoji="1" lang="zh-CN" altLang="en-US" dirty="0" smtClean="0"/>
-              <a:t>（建造者模式）</a:t>
+              <a:t>单独维护自己的一套下载逻辑</a:t>
             </a:r>
             <a:endParaRPr kumimoji="1" lang="en-US" altLang="zh-CN" dirty="0" smtClean="0"/>
           </a:p>
           <a:p>
             <a:r>
+              <a:rPr kumimoji="1" lang="zh-CN" altLang="en-US" dirty="0" smtClean="0"/>
+              <a:t>模块拆分细</a:t>
+            </a:r>
+            <a:endParaRPr kumimoji="1" lang="en-US" altLang="zh-CN" dirty="0" smtClean="0"/>
+          </a:p>
+          <a:p>
+            <a:r>
+              <a:rPr kumimoji="1" lang="zh-CN" altLang="en-US" dirty="0" smtClean="0"/>
+              <a:t>通过</a:t>
+            </a:r>
+            <a:r>
               <a:rPr kumimoji="1" lang="en-US" altLang="zh-CN" dirty="0" smtClean="0"/>
-              <a:t>Creator </a:t>
+              <a:t>profile</a:t>
             </a:r>
             <a:r>
               <a:rPr kumimoji="1" lang="zh-CN" altLang="en-US" dirty="0" smtClean="0"/>
-              <a:t>（</a:t>
-            </a:r>
-            <a:r>
-              <a:rPr kumimoji="1" lang="en-US" altLang="zh-CN" dirty="0"/>
-              <a:t> </a:t>
-            </a:r>
-            <a:r>
-              <a:rPr kumimoji="1" lang="en-US" altLang="zh-CN" dirty="0" err="1"/>
-              <a:t>FileDownloadUrlConnection</a:t>
-            </a:r>
-            <a:r>
-              <a:rPr kumimoji="1" lang="en-US" altLang="zh-CN" dirty="0"/>
-              <a:t> </a:t>
-            </a:r>
-            <a:r>
-              <a:rPr kumimoji="1" lang="zh-CN" altLang="en-US" dirty="0" smtClean="0"/>
-              <a:t>）</a:t>
-            </a:r>
-            <a:endParaRPr kumimoji="1" lang="en-US" altLang="zh-CN" dirty="0" smtClean="0"/>
-          </a:p>
-          <a:p>
-            <a:r>
-              <a:rPr kumimoji="1" lang="zh-CN" altLang="en-US" dirty="0"/>
-              <a:t>代理</a:t>
-            </a:r>
-            <a:r>
-              <a:rPr kumimoji="1" lang="zh-CN" altLang="en-US" dirty="0" smtClean="0"/>
-              <a:t>模式 （</a:t>
-            </a:r>
-            <a:r>
-              <a:rPr lang="en-US" altLang="zh-CN" dirty="0"/>
-              <a:t> </a:t>
-            </a:r>
-            <a:r>
-              <a:rPr lang="en-US" altLang="zh-CN" dirty="0" err="1"/>
-              <a:t>FileDownloadServiceProxy</a:t>
-            </a:r>
-            <a:r>
-              <a:rPr lang="en-US" altLang="zh-CN" dirty="0"/>
-              <a:t> </a:t>
-            </a:r>
-            <a:r>
-              <a:rPr kumimoji="1" lang="zh-CN" altLang="en-US" dirty="0" smtClean="0"/>
-              <a:t>）</a:t>
-            </a:r>
-            <a:endParaRPr kumimoji="1" lang="en-US" altLang="zh-CN" dirty="0" smtClean="0"/>
-          </a:p>
-          <a:p>
-            <a:r>
-              <a:rPr kumimoji="1" lang="zh-CN" altLang="en-US" dirty="0" smtClean="0"/>
-              <a:t>命令</a:t>
-            </a:r>
-            <a:r>
-              <a:rPr kumimoji="1" lang="zh-CN" altLang="en-US" dirty="0" smtClean="0"/>
-              <a:t>模式 </a:t>
-            </a:r>
-            <a:r>
-              <a:rPr kumimoji="1" lang="en-US" altLang="zh-CN" dirty="0"/>
-              <a:t>(</a:t>
-            </a:r>
-            <a:r>
-              <a:rPr kumimoji="1" lang="en-US" altLang="zh-CN" dirty="0" err="1"/>
-              <a:t>MessageSnapshotFlow</a:t>
-            </a:r>
-            <a:r>
-              <a:rPr kumimoji="1" lang="en-US" altLang="zh-CN" dirty="0"/>
-              <a:t>)</a:t>
+              <a:t>灵活配置</a:t>
             </a:r>
             <a:endParaRPr kumimoji="1" lang="zh-CN" altLang="en-US" dirty="0"/>
-          </a:p>
-        </p:txBody>
-      </p:sp>
-      <p:sp>
-        <p:nvSpPr>
-          <p:cNvPr id="6" name="矩形 5"/>
-          <p:cNvSpPr/>
-          <p:nvPr/>
-        </p:nvSpPr>
-        <p:spPr>
-          <a:xfrm>
-            <a:off x="4572057" y="3244334"/>
-            <a:ext cx="184731" cy="369332"/>
-          </a:xfrm>
-          <a:prstGeom prst="rect">
-            <a:avLst/>
-          </a:prstGeom>
-        </p:spPr>
-        <p:txBody>
-          <a:bodyPr wrap="none">
-            <a:spAutoFit/>
-          </a:bodyPr>
-          <a:lstStyle/>
-          <a:p>
-            <a:endParaRPr lang="zh-CN" altLang="en-US" dirty="0"/>
           </a:p>
         </p:txBody>
       </p:sp>
     </p:spTree>
     <p:extLst>
       <p:ext uri="{BB962C8B-B14F-4D97-AF65-F5344CB8AC3E}">
-        <p14:creationId xmlns:p14="http://schemas.microsoft.com/office/powerpoint/2010/main" val="990765869"/>
+        <p14:creationId xmlns:p14="http://schemas.microsoft.com/office/powerpoint/2010/main" val="1337997111"/>
       </p:ext>
     </p:extLst>
   </p:cSld>
@@ -5562,6 +5556,199 @@
                 <a:ea typeface="Microsoft YaHei" charset="-122"/>
                 <a:cs typeface="Microsoft YaHei" charset="-122"/>
               </a:rPr>
+              <a:t>设计模式</a:t>
+            </a:r>
+            <a:endParaRPr kumimoji="1" lang="zh-CN" altLang="en-US" dirty="0">
+              <a:latin typeface="Microsoft YaHei" charset="-122"/>
+              <a:ea typeface="Microsoft YaHei" charset="-122"/>
+              <a:cs typeface="Microsoft YaHei" charset="-122"/>
+            </a:endParaRPr>
+          </a:p>
+        </p:txBody>
+      </p:sp>
+      <p:sp>
+        <p:nvSpPr>
+          <p:cNvPr id="3" name="内容占位符 2"/>
+          <p:cNvSpPr>
+            <a:spLocks noGrp="1"/>
+          </p:cNvSpPr>
+          <p:nvPr>
+            <p:ph idx="1"/>
+          </p:nvPr>
+        </p:nvSpPr>
+        <p:spPr/>
+        <p:txBody>
+          <a:bodyPr/>
+          <a:lstStyle/>
+          <a:p>
+            <a:r>
+              <a:rPr kumimoji="1" lang="zh-CN" altLang="en-US" dirty="0" smtClean="0"/>
+              <a:t>单例（到处是单例）</a:t>
+            </a:r>
+            <a:endParaRPr kumimoji="1" lang="en-US" altLang="zh-CN" dirty="0" smtClean="0"/>
+          </a:p>
+          <a:p>
+            <a:r>
+              <a:rPr kumimoji="1" lang="en-US" altLang="zh-CN" dirty="0" smtClean="0"/>
+              <a:t>Builder</a:t>
+            </a:r>
+            <a:r>
+              <a:rPr kumimoji="1" lang="zh-CN" altLang="en-US" dirty="0" smtClean="0"/>
+              <a:t>（建造者模式）</a:t>
+            </a:r>
+            <a:endParaRPr kumimoji="1" lang="en-US" altLang="zh-CN" dirty="0" smtClean="0"/>
+          </a:p>
+          <a:p>
+            <a:r>
+              <a:rPr kumimoji="1" lang="en-US" altLang="zh-CN" dirty="0" smtClean="0"/>
+              <a:t>Creator </a:t>
+            </a:r>
+            <a:r>
+              <a:rPr kumimoji="1" lang="zh-CN" altLang="en-US" dirty="0" smtClean="0"/>
+              <a:t>（</a:t>
+            </a:r>
+            <a:r>
+              <a:rPr kumimoji="1" lang="en-US" altLang="zh-CN" dirty="0"/>
+              <a:t> </a:t>
+            </a:r>
+            <a:r>
+              <a:rPr kumimoji="1" lang="en-US" altLang="zh-CN" dirty="0" err="1"/>
+              <a:t>FileDownloadUrlConnection</a:t>
+            </a:r>
+            <a:r>
+              <a:rPr kumimoji="1" lang="en-US" altLang="zh-CN" dirty="0"/>
+              <a:t> </a:t>
+            </a:r>
+            <a:r>
+              <a:rPr kumimoji="1" lang="zh-CN" altLang="en-US" dirty="0" smtClean="0"/>
+              <a:t>）</a:t>
+            </a:r>
+            <a:endParaRPr kumimoji="1" lang="en-US" altLang="zh-CN" dirty="0" smtClean="0"/>
+          </a:p>
+          <a:p>
+            <a:r>
+              <a:rPr kumimoji="1" lang="zh-CN" altLang="en-US" dirty="0"/>
+              <a:t>代理</a:t>
+            </a:r>
+            <a:r>
+              <a:rPr kumimoji="1" lang="zh-CN" altLang="en-US" dirty="0" smtClean="0"/>
+              <a:t>模式 （</a:t>
+            </a:r>
+            <a:r>
+              <a:rPr lang="en-US" altLang="zh-CN" dirty="0"/>
+              <a:t> </a:t>
+            </a:r>
+            <a:r>
+              <a:rPr lang="en-US" altLang="zh-CN" dirty="0" err="1"/>
+              <a:t>FileDownloadServiceProxy</a:t>
+            </a:r>
+            <a:r>
+              <a:rPr lang="en-US" altLang="zh-CN" dirty="0"/>
+              <a:t> </a:t>
+            </a:r>
+            <a:r>
+              <a:rPr kumimoji="1" lang="zh-CN" altLang="en-US" dirty="0" smtClean="0"/>
+              <a:t>）</a:t>
+            </a:r>
+            <a:endParaRPr kumimoji="1" lang="en-US" altLang="zh-CN" dirty="0" smtClean="0"/>
+          </a:p>
+          <a:p>
+            <a:r>
+              <a:rPr kumimoji="1" lang="zh-CN" altLang="en-US" dirty="0" smtClean="0"/>
+              <a:t>命令模式 </a:t>
+            </a:r>
+            <a:r>
+              <a:rPr kumimoji="1" lang="en-US" altLang="zh-CN" dirty="0"/>
+              <a:t>(</a:t>
+            </a:r>
+            <a:r>
+              <a:rPr kumimoji="1" lang="en-US" altLang="zh-CN" dirty="0" err="1"/>
+              <a:t>MessageSnapshotFlow</a:t>
+            </a:r>
+            <a:r>
+              <a:rPr kumimoji="1" lang="en-US" altLang="zh-CN" dirty="0"/>
+              <a:t>)</a:t>
+            </a:r>
+            <a:endParaRPr kumimoji="1" lang="zh-CN" altLang="en-US" dirty="0"/>
+          </a:p>
+        </p:txBody>
+      </p:sp>
+      <p:sp>
+        <p:nvSpPr>
+          <p:cNvPr id="6" name="矩形 5"/>
+          <p:cNvSpPr/>
+          <p:nvPr/>
+        </p:nvSpPr>
+        <p:spPr>
+          <a:xfrm>
+            <a:off x="4572057" y="3244334"/>
+            <a:ext cx="184731" cy="369332"/>
+          </a:xfrm>
+          <a:prstGeom prst="rect">
+            <a:avLst/>
+          </a:prstGeom>
+        </p:spPr>
+        <p:txBody>
+          <a:bodyPr wrap="none">
+            <a:spAutoFit/>
+          </a:bodyPr>
+          <a:lstStyle/>
+          <a:p>
+            <a:endParaRPr lang="zh-CN" altLang="en-US" dirty="0"/>
+          </a:p>
+        </p:txBody>
+      </p:sp>
+    </p:spTree>
+    <p:extLst>
+      <p:ext uri="{BB962C8B-B14F-4D97-AF65-F5344CB8AC3E}">
+        <p14:creationId xmlns:p14="http://schemas.microsoft.com/office/powerpoint/2010/main" val="990765869"/>
+      </p:ext>
+    </p:extLst>
+  </p:cSld>
+  <p:clrMapOvr>
+    <a:masterClrMapping/>
+  </p:clrMapOvr>
+</p:sld>
+</file>
+
+<file path=ppt/slides/slide8.xml><?xml version="1.0" encoding="utf-8"?>
+<p:sld xmlns:a="http://schemas.openxmlformats.org/drawingml/2006/main" xmlns:r="http://schemas.openxmlformats.org/officeDocument/2006/relationships" xmlns:p="http://schemas.openxmlformats.org/presentationml/2006/main">
+  <p:cSld>
+    <p:spTree>
+      <p:nvGrpSpPr>
+        <p:cNvPr id="1" name=""/>
+        <p:cNvGrpSpPr/>
+        <p:nvPr/>
+      </p:nvGrpSpPr>
+      <p:grpSpPr>
+        <a:xfrm>
+          <a:off x="0" y="0"/>
+          <a:ext cx="0" cy="0"/>
+          <a:chOff x="0" y="0"/>
+          <a:chExt cx="0" cy="0"/>
+        </a:xfrm>
+      </p:grpSpPr>
+      <p:sp>
+        <p:nvSpPr>
+          <p:cNvPr id="2" name="标题 1"/>
+          <p:cNvSpPr>
+            <a:spLocks noGrp="1"/>
+          </p:cNvSpPr>
+          <p:nvPr>
+            <p:ph type="title"/>
+          </p:nvPr>
+        </p:nvSpPr>
+        <p:spPr/>
+        <p:txBody>
+          <a:bodyPr/>
+          <a:lstStyle/>
+          <a:p>
+            <a:r>
+              <a:rPr kumimoji="1" lang="zh-CN" altLang="en-US" dirty="0" smtClean="0">
+                <a:latin typeface="Microsoft YaHei" charset="-122"/>
+                <a:ea typeface="Microsoft YaHei" charset="-122"/>
+                <a:cs typeface="Microsoft YaHei" charset="-122"/>
+              </a:rPr>
               <a:t>特色、优点</a:t>
             </a:r>
             <a:endParaRPr kumimoji="1" lang="zh-CN" altLang="en-US" dirty="0">
@@ -5654,7 +5841,7 @@
 </p:sld>
 </file>
 
-<file path=ppt/slides/slide8.xml><?xml version="1.0" encoding="utf-8"?>
+<file path=ppt/slides/slide9.xml><?xml version="1.0" encoding="utf-8"?>
 <p:sld xmlns:a="http://schemas.openxmlformats.org/drawingml/2006/main" xmlns:r="http://schemas.openxmlformats.org/officeDocument/2006/relationships" xmlns:p="http://schemas.openxmlformats.org/presentationml/2006/main">
   <p:cSld>
     <p:spTree>
@@ -5723,60 +5910,6 @@
     <p:extLst>
       <p:ext uri="{BB962C8B-B14F-4D97-AF65-F5344CB8AC3E}">
         <p14:creationId xmlns:p14="http://schemas.microsoft.com/office/powerpoint/2010/main" val="2102568043"/>
-      </p:ext>
-    </p:extLst>
-  </p:cSld>
-  <p:clrMapOvr>
-    <a:masterClrMapping/>
-  </p:clrMapOvr>
-</p:sld>
-</file>
-
-<file path=ppt/slides/slide9.xml><?xml version="1.0" encoding="utf-8"?>
-<p:sld xmlns:a="http://schemas.openxmlformats.org/drawingml/2006/main" xmlns:r="http://schemas.openxmlformats.org/officeDocument/2006/relationships" xmlns:p="http://schemas.openxmlformats.org/presentationml/2006/main">
-  <p:cSld>
-    <p:spTree>
-      <p:nvGrpSpPr>
-        <p:cNvPr id="1" name=""/>
-        <p:cNvGrpSpPr/>
-        <p:nvPr/>
-      </p:nvGrpSpPr>
-      <p:grpSpPr>
-        <a:xfrm>
-          <a:off x="0" y="0"/>
-          <a:ext cx="0" cy="0"/>
-          <a:chOff x="0" y="0"/>
-          <a:chExt cx="0" cy="0"/>
-        </a:xfrm>
-      </p:grpSpPr>
-      <p:pic>
-        <p:nvPicPr>
-          <p:cNvPr id="4" name="图片 3"/>
-          <p:cNvPicPr>
-            <a:picLocks noChangeAspect="1"/>
-          </p:cNvPicPr>
-          <p:nvPr/>
-        </p:nvPicPr>
-        <p:blipFill>
-          <a:blip r:embed="rId2"/>
-          <a:stretch>
-            <a:fillRect/>
-          </a:stretch>
-        </p:blipFill>
-        <p:spPr>
-          <a:xfrm>
-            <a:off x="612475" y="653802"/>
-            <a:ext cx="11056167" cy="1614945"/>
-          </a:xfrm>
-          <a:prstGeom prst="rect">
-            <a:avLst/>
-          </a:prstGeom>
-        </p:spPr>
-      </p:pic>
-    </p:spTree>
-    <p:extLst>
-      <p:ext uri="{BB962C8B-B14F-4D97-AF65-F5344CB8AC3E}">
-        <p14:creationId xmlns:p14="http://schemas.microsoft.com/office/powerpoint/2010/main" val="85193777"/>
       </p:ext>
     </p:extLst>
   </p:cSld>
